--- a/PPTs/Functional Programming Paradigm.pptx
+++ b/PPTs/Functional Programming Paradigm.pptx
@@ -290,7 +290,7 @@
           <a:p>
             <a:fld id="{9E6D4E91-EF0E-4AD5-8466-BA6B3D52E967}" type="datetimeFigureOut">
               <a:rPr lang="en-PH" smtClean="0"/>
-              <a:t>28 Aug 2020</a:t>
+              <a:t>03/09/2024</a:t>
             </a:fld>
             <a:endParaRPr lang="en-PH"/>
           </a:p>
@@ -3637,7 +3637,7 @@
           <a:p>
             <a:fld id="{611D1089-859F-489F-83DB-D4F63A710918}" type="datetimeFigureOut">
               <a:rPr lang="en-PH" smtClean="0"/>
-              <a:t>28 Aug 2020</a:t>
+              <a:t>03/09/2024</a:t>
             </a:fld>
             <a:endParaRPr lang="en-PH"/>
           </a:p>
@@ -4028,7 +4028,7 @@
           <a:p>
             <a:fld id="{611D1089-859F-489F-83DB-D4F63A710918}" type="datetimeFigureOut">
               <a:rPr lang="en-PH" smtClean="0"/>
-              <a:t>28 Aug 2020</a:t>
+              <a:t>03/09/2024</a:t>
             </a:fld>
             <a:endParaRPr lang="en-PH"/>
           </a:p>
@@ -4228,7 +4228,7 @@
           <a:p>
             <a:fld id="{611D1089-859F-489F-83DB-D4F63A710918}" type="datetimeFigureOut">
               <a:rPr lang="en-PH" smtClean="0"/>
-              <a:t>28 Aug 2020</a:t>
+              <a:t>03/09/2024</a:t>
             </a:fld>
             <a:endParaRPr lang="en-PH"/>
           </a:p>
@@ -4438,7 +4438,7 @@
           <a:p>
             <a:fld id="{611D1089-859F-489F-83DB-D4F63A710918}" type="datetimeFigureOut">
               <a:rPr lang="en-PH" smtClean="0"/>
-              <a:t>28 Aug 2020</a:t>
+              <a:t>03/09/2024</a:t>
             </a:fld>
             <a:endParaRPr lang="en-PH"/>
           </a:p>
@@ -4660,7 +4660,7 @@
           <a:p>
             <a:fld id="{611D1089-859F-489F-83DB-D4F63A710918}" type="datetimeFigureOut">
               <a:rPr lang="en-PH" smtClean="0"/>
-              <a:t>28 Aug 2020</a:t>
+              <a:t>03/09/2024</a:t>
             </a:fld>
             <a:endParaRPr lang="en-PH"/>
           </a:p>
@@ -5125,7 +5125,7 @@
           <a:p>
             <a:fld id="{611D1089-859F-489F-83DB-D4F63A710918}" type="datetimeFigureOut">
               <a:rPr lang="en-PH" smtClean="0"/>
-              <a:t>28 Aug 2020</a:t>
+              <a:t>03/09/2024</a:t>
             </a:fld>
             <a:endParaRPr lang="en-PH"/>
           </a:p>
@@ -5520,7 +5520,7 @@
           <a:p>
             <a:fld id="{611D1089-859F-489F-83DB-D4F63A710918}" type="datetimeFigureOut">
               <a:rPr lang="en-PH" smtClean="0"/>
-              <a:t>28 Aug 2020</a:t>
+              <a:t>03/09/2024</a:t>
             </a:fld>
             <a:endParaRPr lang="en-PH"/>
           </a:p>
@@ -5856,7 +5856,7 @@
           <a:p>
             <a:fld id="{611D1089-859F-489F-83DB-D4F63A710918}" type="datetimeFigureOut">
               <a:rPr lang="en-PH" smtClean="0"/>
-              <a:t>28 Aug 2020</a:t>
+              <a:t>03/09/2024</a:t>
             </a:fld>
             <a:endParaRPr lang="en-PH"/>
           </a:p>
@@ -6124,7 +6124,7 @@
           <a:p>
             <a:fld id="{611D1089-859F-489F-83DB-D4F63A710918}" type="datetimeFigureOut">
               <a:rPr lang="en-PH" smtClean="0"/>
-              <a:t>28 Aug 2020</a:t>
+              <a:t>03/09/2024</a:t>
             </a:fld>
             <a:endParaRPr lang="en-PH"/>
           </a:p>
@@ -6539,7 +6539,7 @@
           <a:p>
             <a:fld id="{611D1089-859F-489F-83DB-D4F63A710918}" type="datetimeFigureOut">
               <a:rPr lang="en-PH" smtClean="0"/>
-              <a:t>28 Aug 2020</a:t>
+              <a:t>03/09/2024</a:t>
             </a:fld>
             <a:endParaRPr lang="en-PH"/>
           </a:p>
@@ -6681,7 +6681,7 @@
           <a:p>
             <a:fld id="{611D1089-859F-489F-83DB-D4F63A710918}" type="datetimeFigureOut">
               <a:rPr lang="en-PH" smtClean="0"/>
-              <a:t>28 Aug 2020</a:t>
+              <a:t>03/09/2024</a:t>
             </a:fld>
             <a:endParaRPr lang="en-PH"/>
           </a:p>
@@ -6794,7 +6794,7 @@
           <a:p>
             <a:fld id="{611D1089-859F-489F-83DB-D4F63A710918}" type="datetimeFigureOut">
               <a:rPr lang="en-PH" smtClean="0"/>
-              <a:t>28 Aug 2020</a:t>
+              <a:t>03/09/2024</a:t>
             </a:fld>
             <a:endParaRPr lang="en-PH"/>
           </a:p>
@@ -7107,7 +7107,7 @@
           <a:p>
             <a:fld id="{611D1089-859F-489F-83DB-D4F63A710918}" type="datetimeFigureOut">
               <a:rPr lang="en-PH" smtClean="0"/>
-              <a:t>28 Aug 2020</a:t>
+              <a:t>03/09/2024</a:t>
             </a:fld>
             <a:endParaRPr lang="en-PH"/>
           </a:p>
@@ -7353,7 +7353,7 @@
           <a:p>
             <a:fld id="{611D1089-859F-489F-83DB-D4F63A710918}" type="datetimeFigureOut">
               <a:rPr lang="en-PH" smtClean="0"/>
-              <a:t>28 Aug 2020</a:t>
+              <a:t>03/09/2024</a:t>
             </a:fld>
             <a:endParaRPr lang="en-PH"/>
           </a:p>
@@ -9857,50 +9857,12 @@
               </a:spcAft>
             </a:pPr>
             <a:r>
-              <a:rPr lang="en-US">
-                <a:latin typeface="Consolas" panose="020B0609020204030204" pitchFamily="49" charset="0"/>
-                <a:ea typeface="Cambria" panose="02040503050406030204" pitchFamily="18" charset="0"/>
-                <a:cs typeface="Times New Roman" panose="02020603050405020304" pitchFamily="18" charset="0"/>
-              </a:rPr>
-              <a:t>square x </a:t>
-            </a:r>
-            <a:r>
-              <a:rPr lang="en-US">
-                <a:solidFill>
-                  <a:srgbClr val="06287E"/>
-                </a:solidFill>
-                <a:latin typeface="Consolas" panose="020B0609020204030204" pitchFamily="49" charset="0"/>
-                <a:ea typeface="Cambria" panose="02040503050406030204" pitchFamily="18" charset="0"/>
-                <a:cs typeface="Times New Roman" panose="02020603050405020304" pitchFamily="18" charset="0"/>
-              </a:rPr>
-              <a:t>=</a:t>
-            </a:r>
-            <a:r>
-              <a:rPr lang="en-US">
-                <a:latin typeface="Consolas" panose="020B0609020204030204" pitchFamily="49" charset="0"/>
-                <a:ea typeface="Cambria" panose="02040503050406030204" pitchFamily="18" charset="0"/>
-                <a:cs typeface="Times New Roman" panose="02020603050405020304" pitchFamily="18" charset="0"/>
-              </a:rPr>
-              <a:t> x </a:t>
-            </a:r>
-            <a:r>
-              <a:rPr lang="en-US">
-                <a:solidFill>
-                  <a:srgbClr val="06287E"/>
-                </a:solidFill>
-                <a:latin typeface="Consolas" panose="020B0609020204030204" pitchFamily="49" charset="0"/>
-                <a:ea typeface="Cambria" panose="02040503050406030204" pitchFamily="18" charset="0"/>
-                <a:cs typeface="Times New Roman" panose="02020603050405020304" pitchFamily="18" charset="0"/>
-              </a:rPr>
-              <a:t>*</a:t>
-            </a:r>
-            <a:r>
-              <a:rPr lang="en-US">
-                <a:latin typeface="Consolas" panose="020B0609020204030204" pitchFamily="49" charset="0"/>
-                <a:ea typeface="Cambria" panose="02040503050406030204" pitchFamily="18" charset="0"/>
-                <a:cs typeface="Times New Roman" panose="02020603050405020304" pitchFamily="18" charset="0"/>
-              </a:rPr>
-              <a:t> x</a:t>
+              <a:rPr lang="en-US" dirty="0">
+                <a:latin typeface="Consolas" panose="020B0609020204030204" pitchFamily="49" charset="0"/>
+                <a:ea typeface="Cambria" panose="02040503050406030204" pitchFamily="18" charset="0"/>
+                <a:cs typeface="Times New Roman" panose="02020603050405020304" pitchFamily="18" charset="0"/>
+              </a:rPr>
+              <a:t>square x = x * x</a:t>
             </a:r>
             <a:endParaRPr lang="en-PH" dirty="0">
               <a:latin typeface="Consolas" panose="020B0609020204030204" pitchFamily="49" charset="0"/>
@@ -11646,71 +11608,11 @@
             </a:pPr>
             <a:r>
               <a:rPr lang="en-US" sz="2800" dirty="0">
-                <a:solidFill>
-                  <a:srgbClr val="007020"/>
-                </a:solidFill>
-                <a:latin typeface="Consolas" panose="020B0609020204030204" pitchFamily="49" charset="0"/>
-                <a:ea typeface="Cambria" panose="02040503050406030204" pitchFamily="18" charset="0"/>
-                <a:cs typeface="Times New Roman" panose="02020603050405020304" pitchFamily="18" charset="0"/>
-              </a:rPr>
-              <a:t>s::</a:t>
-            </a:r>
-            <a:r>
-              <a:rPr lang="en-US" sz="2800" dirty="0">
-                <a:latin typeface="Consolas" panose="020B0609020204030204" pitchFamily="49" charset="0"/>
-                <a:ea typeface="Cambria" panose="02040503050406030204" pitchFamily="18" charset="0"/>
-                <a:cs typeface="Times New Roman" panose="02020603050405020304" pitchFamily="18" charset="0"/>
-              </a:rPr>
-              <a:t> </a:t>
-            </a:r>
-            <a:r>
-              <a:rPr lang="en-US" sz="2800" dirty="0">
-                <a:solidFill>
-                  <a:srgbClr val="902000"/>
-                </a:solidFill>
-                <a:latin typeface="Consolas" panose="020B0609020204030204" pitchFamily="49" charset="0"/>
-                <a:ea typeface="Cambria" panose="02040503050406030204" pitchFamily="18" charset="0"/>
-                <a:cs typeface="Times New Roman" panose="02020603050405020304" pitchFamily="18" charset="0"/>
-              </a:rPr>
-              <a:t>Int</a:t>
-            </a:r>
-            <a:r>
-              <a:rPr lang="en-US" sz="2800" dirty="0">
-                <a:latin typeface="Consolas" panose="020B0609020204030204" pitchFamily="49" charset="0"/>
-                <a:ea typeface="Cambria" panose="02040503050406030204" pitchFamily="18" charset="0"/>
-                <a:cs typeface="Times New Roman" panose="02020603050405020304" pitchFamily="18" charset="0"/>
-              </a:rPr>
-              <a:t> </a:t>
-            </a:r>
-            <a:r>
-              <a:rPr lang="en-US" sz="2800" dirty="0">
-                <a:solidFill>
-                  <a:srgbClr val="007020"/>
-                </a:solidFill>
-                <a:latin typeface="Consolas" panose="020B0609020204030204" pitchFamily="49" charset="0"/>
-                <a:ea typeface="Cambria" panose="02040503050406030204" pitchFamily="18" charset="0"/>
-                <a:cs typeface="Times New Roman" panose="02020603050405020304" pitchFamily="18" charset="0"/>
-              </a:rPr>
-              <a:t>-&gt;</a:t>
-            </a:r>
-            <a:r>
-              <a:rPr lang="en-US" sz="2800" dirty="0">
-                <a:latin typeface="Consolas" panose="020B0609020204030204" pitchFamily="49" charset="0"/>
-                <a:ea typeface="Cambria" panose="02040503050406030204" pitchFamily="18" charset="0"/>
-                <a:cs typeface="Times New Roman" panose="02020603050405020304" pitchFamily="18" charset="0"/>
-              </a:rPr>
-              <a:t> </a:t>
-            </a:r>
-            <a:r>
-              <a:rPr lang="en-US" sz="2800" dirty="0">
-                <a:solidFill>
-                  <a:srgbClr val="902000"/>
-                </a:solidFill>
-                <a:latin typeface="Consolas" panose="020B0609020204030204" pitchFamily="49" charset="0"/>
-                <a:ea typeface="Cambria" panose="02040503050406030204" pitchFamily="18" charset="0"/>
-                <a:cs typeface="Times New Roman" panose="02020603050405020304" pitchFamily="18" charset="0"/>
-              </a:rPr>
-              <a:t>Int</a:t>
+                <a:latin typeface="Consolas" panose="020B0609020204030204" pitchFamily="49" charset="0"/>
+                <a:ea typeface="Cambria" panose="02040503050406030204" pitchFamily="18" charset="0"/>
+                <a:cs typeface="Times New Roman" panose="02020603050405020304" pitchFamily="18" charset="0"/>
+              </a:rPr>
+              <a:t>s:: Int -&gt; Int</a:t>
             </a:r>
             <a:br>
               <a:rPr lang="en-US" sz="2800" dirty="0">
@@ -11720,69 +11622,12 @@
               </a:rPr>
             </a:br>
             <a:r>
-              <a:rPr lang="en-US" sz="2800" dirty="0" err="1">
-                <a:latin typeface="Consolas" panose="020B0609020204030204" pitchFamily="49" charset="0"/>
-                <a:ea typeface="Cambria" panose="02040503050406030204" pitchFamily="18" charset="0"/>
-                <a:cs typeface="Times New Roman" panose="02020603050405020304" pitchFamily="18" charset="0"/>
-              </a:rPr>
-              <a:t>func</a:t>
-            </a:r>
-            <a:r>
               <a:rPr lang="en-US" sz="2800" dirty="0">
                 <a:latin typeface="Consolas" panose="020B0609020204030204" pitchFamily="49" charset="0"/>
                 <a:ea typeface="Cambria" panose="02040503050406030204" pitchFamily="18" charset="0"/>
                 <a:cs typeface="Times New Roman" panose="02020603050405020304" pitchFamily="18" charset="0"/>
               </a:rPr>
-              <a:t> x </a:t>
-            </a:r>
-            <a:r>
-              <a:rPr lang="en-US" sz="2800" dirty="0">
-                <a:solidFill>
-                  <a:srgbClr val="06287E"/>
-                </a:solidFill>
-                <a:latin typeface="Consolas" panose="020B0609020204030204" pitchFamily="49" charset="0"/>
-                <a:ea typeface="Cambria" panose="02040503050406030204" pitchFamily="18" charset="0"/>
-                <a:cs typeface="Times New Roman" panose="02020603050405020304" pitchFamily="18" charset="0"/>
-              </a:rPr>
-              <a:t>=</a:t>
-            </a:r>
-            <a:r>
-              <a:rPr lang="en-US" sz="2800" dirty="0">
-                <a:latin typeface="Consolas" panose="020B0609020204030204" pitchFamily="49" charset="0"/>
-                <a:ea typeface="Cambria" panose="02040503050406030204" pitchFamily="18" charset="0"/>
-                <a:cs typeface="Times New Roman" panose="02020603050405020304" pitchFamily="18" charset="0"/>
-              </a:rPr>
-              <a:t> x </a:t>
-            </a:r>
-            <a:r>
-              <a:rPr lang="en-US" sz="2800" dirty="0">
-                <a:solidFill>
-                  <a:srgbClr val="06287E"/>
-                </a:solidFill>
-                <a:latin typeface="Consolas" panose="020B0609020204030204" pitchFamily="49" charset="0"/>
-                <a:ea typeface="Cambria" panose="02040503050406030204" pitchFamily="18" charset="0"/>
-                <a:cs typeface="Times New Roman" panose="02020603050405020304" pitchFamily="18" charset="0"/>
-              </a:rPr>
-              <a:t>+</a:t>
-            </a:r>
-            <a:r>
-              <a:rPr lang="en-US" sz="2800" dirty="0">
-                <a:latin typeface="Consolas" panose="020B0609020204030204" pitchFamily="49" charset="0"/>
-                <a:ea typeface="Cambria" panose="02040503050406030204" pitchFamily="18" charset="0"/>
-                <a:cs typeface="Times New Roman" panose="02020603050405020304" pitchFamily="18" charset="0"/>
-              </a:rPr>
-              <a:t> </a:t>
-            </a:r>
-            <a:r>
-              <a:rPr lang="en-US" sz="2800" dirty="0">
-                <a:solidFill>
-                  <a:srgbClr val="40A070"/>
-                </a:solidFill>
-                <a:latin typeface="Consolas" panose="020B0609020204030204" pitchFamily="49" charset="0"/>
-                <a:ea typeface="Cambria" panose="02040503050406030204" pitchFamily="18" charset="0"/>
-                <a:cs typeface="Times New Roman" panose="02020603050405020304" pitchFamily="18" charset="0"/>
-              </a:rPr>
-              <a:t>1</a:t>
+              <a:t>s x = x + 1</a:t>
             </a:r>
             <a:br>
               <a:rPr lang="en-US" sz="2800" dirty="0">
@@ -11800,135 +11645,34 @@
             </a:br>
             <a:r>
               <a:rPr lang="en-US" sz="2800" dirty="0">
-                <a:solidFill>
-                  <a:srgbClr val="007020"/>
-                </a:solidFill>
-                <a:latin typeface="Consolas" panose="020B0609020204030204" pitchFamily="49" charset="0"/>
-                <a:ea typeface="Cambria" panose="02040503050406030204" pitchFamily="18" charset="0"/>
-                <a:cs typeface="Times New Roman" panose="02020603050405020304" pitchFamily="18" charset="0"/>
-              </a:rPr>
-              <a:t>p::</a:t>
+                <a:latin typeface="Consolas" panose="020B0609020204030204" pitchFamily="49" charset="0"/>
+                <a:ea typeface="Cambria" panose="02040503050406030204" pitchFamily="18" charset="0"/>
+                <a:cs typeface="Times New Roman" panose="02020603050405020304" pitchFamily="18" charset="0"/>
+              </a:rPr>
+              <a:t>p::Int -&gt; Int</a:t>
+            </a:r>
+            <a:br>
+              <a:rPr lang="en-US" sz="2800">
+                <a:latin typeface="Consolas" panose="020B0609020204030204" pitchFamily="49" charset="0"/>
+                <a:ea typeface="Cambria" panose="02040503050406030204" pitchFamily="18" charset="0"/>
+                <a:cs typeface="Times New Roman" panose="02020603050405020304" pitchFamily="18" charset="0"/>
+              </a:rPr>
+            </a:br>
+            <a:r>
+              <a:rPr lang="en-US" sz="2800">
+                <a:latin typeface="Consolas" panose="020B0609020204030204" pitchFamily="49" charset="0"/>
+                <a:ea typeface="Cambria" panose="02040503050406030204" pitchFamily="18" charset="0"/>
+                <a:cs typeface="Times New Roman" panose="02020603050405020304" pitchFamily="18" charset="0"/>
+              </a:rPr>
+              <a:t>p </a:t>
             </a:r>
             <a:r>
               <a:rPr lang="en-US" sz="2800" dirty="0">
-                <a:solidFill>
-                  <a:srgbClr val="902000"/>
-                </a:solidFill>
-                <a:latin typeface="Consolas" panose="020B0609020204030204" pitchFamily="49" charset="0"/>
-                <a:ea typeface="Cambria" panose="02040503050406030204" pitchFamily="18" charset="0"/>
-                <a:cs typeface="Times New Roman" panose="02020603050405020304" pitchFamily="18" charset="0"/>
-              </a:rPr>
-              <a:t>Int</a:t>
-            </a:r>
-            <a:r>
-              <a:rPr lang="en-US" sz="2800" dirty="0">
-                <a:latin typeface="Consolas" panose="020B0609020204030204" pitchFamily="49" charset="0"/>
-                <a:ea typeface="Cambria" panose="02040503050406030204" pitchFamily="18" charset="0"/>
-                <a:cs typeface="Times New Roman" panose="02020603050405020304" pitchFamily="18" charset="0"/>
-              </a:rPr>
-              <a:t> </a:t>
-            </a:r>
-            <a:r>
-              <a:rPr lang="en-US" sz="2800" dirty="0">
-                <a:solidFill>
-                  <a:srgbClr val="007020"/>
-                </a:solidFill>
-                <a:latin typeface="Consolas" panose="020B0609020204030204" pitchFamily="49" charset="0"/>
-                <a:ea typeface="Cambria" panose="02040503050406030204" pitchFamily="18" charset="0"/>
-                <a:cs typeface="Times New Roman" panose="02020603050405020304" pitchFamily="18" charset="0"/>
-              </a:rPr>
-              <a:t>-&gt;</a:t>
-            </a:r>
-            <a:r>
-              <a:rPr lang="en-US" sz="2800" dirty="0">
-                <a:latin typeface="Consolas" panose="020B0609020204030204" pitchFamily="49" charset="0"/>
-                <a:ea typeface="Cambria" panose="02040503050406030204" pitchFamily="18" charset="0"/>
-                <a:cs typeface="Times New Roman" panose="02020603050405020304" pitchFamily="18" charset="0"/>
-              </a:rPr>
-              <a:t> </a:t>
-            </a:r>
-            <a:r>
-              <a:rPr lang="en-US" sz="2800" dirty="0">
-                <a:solidFill>
-                  <a:srgbClr val="902000"/>
-                </a:solidFill>
-                <a:latin typeface="Consolas" panose="020B0609020204030204" pitchFamily="49" charset="0"/>
-                <a:ea typeface="Cambria" panose="02040503050406030204" pitchFamily="18" charset="0"/>
-                <a:cs typeface="Times New Roman" panose="02020603050405020304" pitchFamily="18" charset="0"/>
-              </a:rPr>
-              <a:t>Int</a:t>
-            </a:r>
-            <a:br>
-              <a:rPr lang="en-US" sz="2800" dirty="0">
-                <a:latin typeface="Consolas" panose="020B0609020204030204" pitchFamily="49" charset="0"/>
-                <a:ea typeface="Cambria" panose="02040503050406030204" pitchFamily="18" charset="0"/>
-                <a:cs typeface="Times New Roman" panose="02020603050405020304" pitchFamily="18" charset="0"/>
-              </a:rPr>
-            </a:br>
-            <a:r>
-              <a:rPr lang="en-US" sz="2800" dirty="0" err="1">
-                <a:latin typeface="Consolas" panose="020B0609020204030204" pitchFamily="49" charset="0"/>
-                <a:ea typeface="Cambria" panose="02040503050406030204" pitchFamily="18" charset="0"/>
-                <a:cs typeface="Times New Roman" panose="02020603050405020304" pitchFamily="18" charset="0"/>
-              </a:rPr>
-              <a:t>func</a:t>
-            </a:r>
-            <a:r>
-              <a:rPr lang="en-US" sz="2800" dirty="0">
-                <a:latin typeface="Consolas" panose="020B0609020204030204" pitchFamily="49" charset="0"/>
-                <a:ea typeface="Cambria" panose="02040503050406030204" pitchFamily="18" charset="0"/>
-                <a:cs typeface="Times New Roman" panose="02020603050405020304" pitchFamily="18" charset="0"/>
-              </a:rPr>
-              <a:t> x </a:t>
-            </a:r>
-            <a:r>
-              <a:rPr lang="en-US" sz="2800" dirty="0">
-                <a:solidFill>
-                  <a:srgbClr val="06287E"/>
-                </a:solidFill>
-                <a:latin typeface="Consolas" panose="020B0609020204030204" pitchFamily="49" charset="0"/>
-                <a:ea typeface="Cambria" panose="02040503050406030204" pitchFamily="18" charset="0"/>
-                <a:cs typeface="Times New Roman" panose="02020603050405020304" pitchFamily="18" charset="0"/>
-              </a:rPr>
-              <a:t>=</a:t>
-            </a:r>
-            <a:r>
-              <a:rPr lang="en-US" sz="2800" dirty="0">
-                <a:latin typeface="Consolas" panose="020B0609020204030204" pitchFamily="49" charset="0"/>
-                <a:ea typeface="Cambria" panose="02040503050406030204" pitchFamily="18" charset="0"/>
-                <a:cs typeface="Times New Roman" panose="02020603050405020304" pitchFamily="18" charset="0"/>
-              </a:rPr>
-              <a:t> x </a:t>
-            </a:r>
-            <a:r>
-              <a:rPr lang="en-US" sz="2800" dirty="0">
-                <a:solidFill>
-                  <a:srgbClr val="06287E"/>
-                </a:solidFill>
-                <a:latin typeface="Consolas" panose="020B0609020204030204" pitchFamily="49" charset="0"/>
-                <a:ea typeface="Cambria" panose="02040503050406030204" pitchFamily="18" charset="0"/>
-                <a:cs typeface="Times New Roman" panose="02020603050405020304" pitchFamily="18" charset="0"/>
-              </a:rPr>
-              <a:t>-</a:t>
-            </a:r>
-            <a:r>
-              <a:rPr lang="en-US" sz="2800" dirty="0">
-                <a:latin typeface="Consolas" panose="020B0609020204030204" pitchFamily="49" charset="0"/>
-                <a:ea typeface="Cambria" panose="02040503050406030204" pitchFamily="18" charset="0"/>
-                <a:cs typeface="Times New Roman" panose="02020603050405020304" pitchFamily="18" charset="0"/>
-              </a:rPr>
-              <a:t> </a:t>
-            </a:r>
-            <a:r>
-              <a:rPr lang="en-US" sz="2800" dirty="0">
-                <a:solidFill>
-                  <a:srgbClr val="40A070"/>
-                </a:solidFill>
-                <a:latin typeface="Consolas" panose="020B0609020204030204" pitchFamily="49" charset="0"/>
-                <a:ea typeface="Cambria" panose="02040503050406030204" pitchFamily="18" charset="0"/>
-                <a:cs typeface="Times New Roman" panose="02020603050405020304" pitchFamily="18" charset="0"/>
-              </a:rPr>
-              <a:t>1</a:t>
+                <a:latin typeface="Consolas" panose="020B0609020204030204" pitchFamily="49" charset="0"/>
+                <a:ea typeface="Cambria" panose="02040503050406030204" pitchFamily="18" charset="0"/>
+                <a:cs typeface="Times New Roman" panose="02020603050405020304" pitchFamily="18" charset="0"/>
+              </a:rPr>
+              <a:t>x = x - 1</a:t>
             </a:r>
             <a:br>
               <a:rPr lang="en-US" sz="2800" dirty="0">
@@ -11946,9 +11690,6 @@
             </a:br>
             <a:r>
               <a:rPr lang="en-US" sz="2800" dirty="0" err="1">
-                <a:solidFill>
-                  <a:srgbClr val="007020"/>
-                </a:solidFill>
                 <a:latin typeface="Consolas" panose="020B0609020204030204" pitchFamily="49" charset="0"/>
                 <a:ea typeface="Cambria" panose="02040503050406030204" pitchFamily="18" charset="0"/>
                 <a:cs typeface="Times New Roman" panose="02020603050405020304" pitchFamily="18" charset="0"/>
@@ -11957,139 +11698,11 @@
             </a:r>
             <a:r>
               <a:rPr lang="en-US" sz="2800" dirty="0">
-                <a:solidFill>
-                  <a:srgbClr val="007020"/>
-                </a:solidFill>
-                <a:latin typeface="Consolas" panose="020B0609020204030204" pitchFamily="49" charset="0"/>
-                <a:ea typeface="Cambria" panose="02040503050406030204" pitchFamily="18" charset="0"/>
-                <a:cs typeface="Times New Roman" panose="02020603050405020304" pitchFamily="18" charset="0"/>
-              </a:rPr>
-              <a:t>::</a:t>
-            </a:r>
-            <a:r>
-              <a:rPr lang="en-US" sz="2800" dirty="0">
-                <a:latin typeface="Consolas" panose="020B0609020204030204" pitchFamily="49" charset="0"/>
-                <a:ea typeface="Cambria" panose="02040503050406030204" pitchFamily="18" charset="0"/>
-                <a:cs typeface="Times New Roman" panose="02020603050405020304" pitchFamily="18" charset="0"/>
-              </a:rPr>
-              <a:t> (</a:t>
-            </a:r>
-            <a:r>
-              <a:rPr lang="en-US" sz="2800" dirty="0">
-                <a:solidFill>
-                  <a:srgbClr val="902000"/>
-                </a:solidFill>
-                <a:latin typeface="Consolas" panose="020B0609020204030204" pitchFamily="49" charset="0"/>
-                <a:ea typeface="Cambria" panose="02040503050406030204" pitchFamily="18" charset="0"/>
-                <a:cs typeface="Times New Roman" panose="02020603050405020304" pitchFamily="18" charset="0"/>
-              </a:rPr>
-              <a:t>Int</a:t>
-            </a:r>
-            <a:r>
-              <a:rPr lang="en-US" sz="2800" dirty="0">
-                <a:solidFill>
-                  <a:srgbClr val="007020"/>
-                </a:solidFill>
-                <a:latin typeface="Consolas" panose="020B0609020204030204" pitchFamily="49" charset="0"/>
-                <a:ea typeface="Cambria" panose="02040503050406030204" pitchFamily="18" charset="0"/>
-                <a:cs typeface="Times New Roman" panose="02020603050405020304" pitchFamily="18" charset="0"/>
-              </a:rPr>
-              <a:t>-&gt;</a:t>
-            </a:r>
-            <a:r>
-              <a:rPr lang="en-US" sz="2800" dirty="0">
-                <a:latin typeface="Consolas" panose="020B0609020204030204" pitchFamily="49" charset="0"/>
-                <a:ea typeface="Cambria" panose="02040503050406030204" pitchFamily="18" charset="0"/>
-                <a:cs typeface="Times New Roman" panose="02020603050405020304" pitchFamily="18" charset="0"/>
-              </a:rPr>
-              <a:t> </a:t>
-            </a:r>
-            <a:r>
-              <a:rPr lang="en-US" sz="2800" dirty="0">
-                <a:solidFill>
-                  <a:srgbClr val="902000"/>
-                </a:solidFill>
-                <a:latin typeface="Consolas" panose="020B0609020204030204" pitchFamily="49" charset="0"/>
-                <a:ea typeface="Cambria" panose="02040503050406030204" pitchFamily="18" charset="0"/>
-                <a:cs typeface="Times New Roman" panose="02020603050405020304" pitchFamily="18" charset="0"/>
-              </a:rPr>
-              <a:t>Int</a:t>
-            </a:r>
-            <a:r>
-              <a:rPr lang="en-US" sz="2800" dirty="0">
-                <a:latin typeface="Consolas" panose="020B0609020204030204" pitchFamily="49" charset="0"/>
-                <a:ea typeface="Cambria" panose="02040503050406030204" pitchFamily="18" charset="0"/>
-                <a:cs typeface="Times New Roman" panose="02020603050405020304" pitchFamily="18" charset="0"/>
-              </a:rPr>
-              <a:t>) </a:t>
-            </a:r>
-            <a:r>
-              <a:rPr lang="en-US" sz="2800" dirty="0">
-                <a:solidFill>
-                  <a:srgbClr val="007020"/>
-                </a:solidFill>
-                <a:latin typeface="Consolas" panose="020B0609020204030204" pitchFamily="49" charset="0"/>
-                <a:ea typeface="Cambria" panose="02040503050406030204" pitchFamily="18" charset="0"/>
-                <a:cs typeface="Times New Roman" panose="02020603050405020304" pitchFamily="18" charset="0"/>
-              </a:rPr>
-              <a:t>-&gt;</a:t>
-            </a:r>
-            <a:r>
-              <a:rPr lang="en-US" sz="2800" dirty="0">
-                <a:latin typeface="Consolas" panose="020B0609020204030204" pitchFamily="49" charset="0"/>
-                <a:ea typeface="Cambria" panose="02040503050406030204" pitchFamily="18" charset="0"/>
-                <a:cs typeface="Times New Roman" panose="02020603050405020304" pitchFamily="18" charset="0"/>
-              </a:rPr>
-              <a:t> </a:t>
-            </a:r>
-            <a:r>
-              <a:rPr lang="en-US" sz="2800" dirty="0">
-                <a:solidFill>
-                  <a:srgbClr val="902000"/>
-                </a:solidFill>
-                <a:latin typeface="Consolas" panose="020B0609020204030204" pitchFamily="49" charset="0"/>
-                <a:ea typeface="Cambria" panose="02040503050406030204" pitchFamily="18" charset="0"/>
-                <a:cs typeface="Times New Roman" panose="02020603050405020304" pitchFamily="18" charset="0"/>
-              </a:rPr>
-              <a:t>Int</a:t>
-            </a:r>
-            <a:r>
-              <a:rPr lang="en-US" sz="2800" dirty="0">
-                <a:latin typeface="Consolas" panose="020B0609020204030204" pitchFamily="49" charset="0"/>
-                <a:ea typeface="Cambria" panose="02040503050406030204" pitchFamily="18" charset="0"/>
-                <a:cs typeface="Times New Roman" panose="02020603050405020304" pitchFamily="18" charset="0"/>
-              </a:rPr>
-              <a:t> </a:t>
-            </a:r>
-            <a:r>
-              <a:rPr lang="en-US" sz="2800" dirty="0">
-                <a:solidFill>
-                  <a:srgbClr val="007020"/>
-                </a:solidFill>
-                <a:latin typeface="Consolas" panose="020B0609020204030204" pitchFamily="49" charset="0"/>
-                <a:ea typeface="Cambria" panose="02040503050406030204" pitchFamily="18" charset="0"/>
-                <a:cs typeface="Times New Roman" panose="02020603050405020304" pitchFamily="18" charset="0"/>
-              </a:rPr>
-              <a:t>-&gt;</a:t>
-            </a:r>
-            <a:r>
-              <a:rPr lang="en-US" sz="2800" dirty="0">
-                <a:latin typeface="Consolas" panose="020B0609020204030204" pitchFamily="49" charset="0"/>
-                <a:ea typeface="Cambria" panose="02040503050406030204" pitchFamily="18" charset="0"/>
-                <a:cs typeface="Times New Roman" panose="02020603050405020304" pitchFamily="18" charset="0"/>
-              </a:rPr>
-              <a:t> </a:t>
-            </a:r>
-            <a:r>
-              <a:rPr lang="en-US" sz="2800" dirty="0">
-                <a:solidFill>
-                  <a:srgbClr val="902000"/>
-                </a:solidFill>
-                <a:latin typeface="Consolas" panose="020B0609020204030204" pitchFamily="49" charset="0"/>
-                <a:ea typeface="Cambria" panose="02040503050406030204" pitchFamily="18" charset="0"/>
-                <a:cs typeface="Times New Roman" panose="02020603050405020304" pitchFamily="18" charset="0"/>
-              </a:rPr>
-              <a:t>Int</a:t>
+                <a:latin typeface="Consolas" panose="020B0609020204030204" pitchFamily="49" charset="0"/>
+                <a:ea typeface="Cambria" panose="02040503050406030204" pitchFamily="18" charset="0"/>
+                <a:cs typeface="Times New Roman" panose="02020603050405020304" pitchFamily="18" charset="0"/>
+              </a:rPr>
+              <a:t>:: (Int-&gt; Int) -&gt; Int -&gt; Int</a:t>
             </a:r>
             <a:br>
               <a:rPr lang="en-US" sz="2800" dirty="0">
@@ -12112,26 +11725,7 @@
                 <a:ea typeface="Cambria" panose="02040503050406030204" pitchFamily="18" charset="0"/>
                 <a:cs typeface="Times New Roman" panose="02020603050405020304" pitchFamily="18" charset="0"/>
               </a:rPr>
-              <a:t> f x </a:t>
-            </a:r>
-            <a:r>
-              <a:rPr lang="en-US" sz="2800" dirty="0">
-                <a:solidFill>
-                  <a:srgbClr val="06287E"/>
-                </a:solidFill>
-                <a:latin typeface="Consolas" panose="020B0609020204030204" pitchFamily="49" charset="0"/>
-                <a:ea typeface="Cambria" panose="02040503050406030204" pitchFamily="18" charset="0"/>
-                <a:cs typeface="Times New Roman" panose="02020603050405020304" pitchFamily="18" charset="0"/>
-              </a:rPr>
-              <a:t>=</a:t>
-            </a:r>
-            <a:r>
-              <a:rPr lang="en-US" sz="2800" dirty="0">
-                <a:latin typeface="Consolas" panose="020B0609020204030204" pitchFamily="49" charset="0"/>
-                <a:ea typeface="Cambria" panose="02040503050406030204" pitchFamily="18" charset="0"/>
-                <a:cs typeface="Times New Roman" panose="02020603050405020304" pitchFamily="18" charset="0"/>
-              </a:rPr>
-              <a:t> f (f x)</a:t>
+              <a:t> f x = f (f x)</a:t>
             </a:r>
             <a:endParaRPr lang="en-PH" dirty="0">
               <a:latin typeface="Consolas" panose="020B0609020204030204" pitchFamily="49" charset="0"/>
@@ -12332,9 +11926,6 @@
           <a:p>
             <a:r>
               <a:rPr lang="en-US" sz="2400" dirty="0" err="1">
-                <a:solidFill>
-                  <a:srgbClr val="007020"/>
-                </a:solidFill>
                 <a:latin typeface="Consolas" panose="020B0609020204030204" pitchFamily="49" charset="0"/>
                 <a:ea typeface="Cambria" panose="02040503050406030204" pitchFamily="18" charset="0"/>
                 <a:cs typeface="Times New Roman" panose="02020603050405020304" pitchFamily="18" charset="0"/>
@@ -12343,139 +11934,11 @@
             </a:r>
             <a:r>
               <a:rPr lang="en-US" sz="2400" dirty="0">
-                <a:solidFill>
-                  <a:srgbClr val="007020"/>
-                </a:solidFill>
-                <a:latin typeface="Consolas" panose="020B0609020204030204" pitchFamily="49" charset="0"/>
-                <a:ea typeface="Cambria" panose="02040503050406030204" pitchFamily="18" charset="0"/>
-                <a:cs typeface="Times New Roman" panose="02020603050405020304" pitchFamily="18" charset="0"/>
-              </a:rPr>
-              <a:t>::</a:t>
-            </a:r>
-            <a:r>
-              <a:rPr lang="en-US" sz="2400" dirty="0">
-                <a:latin typeface="Consolas" panose="020B0609020204030204" pitchFamily="49" charset="0"/>
-                <a:ea typeface="Cambria" panose="02040503050406030204" pitchFamily="18" charset="0"/>
-                <a:cs typeface="Times New Roman" panose="02020603050405020304" pitchFamily="18" charset="0"/>
-              </a:rPr>
-              <a:t> (</a:t>
-            </a:r>
-            <a:r>
-              <a:rPr lang="en-US" sz="2400" dirty="0">
-                <a:solidFill>
-                  <a:srgbClr val="902000"/>
-                </a:solidFill>
-                <a:latin typeface="Consolas" panose="020B0609020204030204" pitchFamily="49" charset="0"/>
-                <a:ea typeface="Cambria" panose="02040503050406030204" pitchFamily="18" charset="0"/>
-                <a:cs typeface="Times New Roman" panose="02020603050405020304" pitchFamily="18" charset="0"/>
-              </a:rPr>
-              <a:t>Int</a:t>
-            </a:r>
-            <a:r>
-              <a:rPr lang="en-US" sz="2400" dirty="0">
-                <a:solidFill>
-                  <a:srgbClr val="007020"/>
-                </a:solidFill>
-                <a:latin typeface="Consolas" panose="020B0609020204030204" pitchFamily="49" charset="0"/>
-                <a:ea typeface="Cambria" panose="02040503050406030204" pitchFamily="18" charset="0"/>
-                <a:cs typeface="Times New Roman" panose="02020603050405020304" pitchFamily="18" charset="0"/>
-              </a:rPr>
-              <a:t>-&gt;</a:t>
-            </a:r>
-            <a:r>
-              <a:rPr lang="en-US" sz="2400" dirty="0">
-                <a:latin typeface="Consolas" panose="020B0609020204030204" pitchFamily="49" charset="0"/>
-                <a:ea typeface="Cambria" panose="02040503050406030204" pitchFamily="18" charset="0"/>
-                <a:cs typeface="Times New Roman" panose="02020603050405020304" pitchFamily="18" charset="0"/>
-              </a:rPr>
-              <a:t> </a:t>
-            </a:r>
-            <a:r>
-              <a:rPr lang="en-US" sz="2400" dirty="0">
-                <a:solidFill>
-                  <a:srgbClr val="902000"/>
-                </a:solidFill>
-                <a:latin typeface="Consolas" panose="020B0609020204030204" pitchFamily="49" charset="0"/>
-                <a:ea typeface="Cambria" panose="02040503050406030204" pitchFamily="18" charset="0"/>
-                <a:cs typeface="Times New Roman" panose="02020603050405020304" pitchFamily="18" charset="0"/>
-              </a:rPr>
-              <a:t>Int</a:t>
-            </a:r>
-            <a:r>
-              <a:rPr lang="en-US" sz="2400" dirty="0">
-                <a:latin typeface="Consolas" panose="020B0609020204030204" pitchFamily="49" charset="0"/>
-                <a:ea typeface="Cambria" panose="02040503050406030204" pitchFamily="18" charset="0"/>
-                <a:cs typeface="Times New Roman" panose="02020603050405020304" pitchFamily="18" charset="0"/>
-              </a:rPr>
-              <a:t>) </a:t>
-            </a:r>
-            <a:r>
-              <a:rPr lang="en-US" sz="2400" dirty="0">
-                <a:solidFill>
-                  <a:srgbClr val="007020"/>
-                </a:solidFill>
-                <a:latin typeface="Consolas" panose="020B0609020204030204" pitchFamily="49" charset="0"/>
-                <a:ea typeface="Cambria" panose="02040503050406030204" pitchFamily="18" charset="0"/>
-                <a:cs typeface="Times New Roman" panose="02020603050405020304" pitchFamily="18" charset="0"/>
-              </a:rPr>
-              <a:t>-&gt;</a:t>
-            </a:r>
-            <a:r>
-              <a:rPr lang="en-US" sz="2400" dirty="0">
-                <a:latin typeface="Consolas" panose="020B0609020204030204" pitchFamily="49" charset="0"/>
-                <a:ea typeface="Cambria" panose="02040503050406030204" pitchFamily="18" charset="0"/>
-                <a:cs typeface="Times New Roman" panose="02020603050405020304" pitchFamily="18" charset="0"/>
-              </a:rPr>
-              <a:t> </a:t>
-            </a:r>
-            <a:r>
-              <a:rPr lang="en-US" sz="2400" dirty="0">
-                <a:solidFill>
-                  <a:srgbClr val="902000"/>
-                </a:solidFill>
-                <a:latin typeface="Consolas" panose="020B0609020204030204" pitchFamily="49" charset="0"/>
-                <a:ea typeface="Cambria" panose="02040503050406030204" pitchFamily="18" charset="0"/>
-                <a:cs typeface="Times New Roman" panose="02020603050405020304" pitchFamily="18" charset="0"/>
-              </a:rPr>
-              <a:t>Int</a:t>
-            </a:r>
-            <a:r>
-              <a:rPr lang="en-US" sz="2400" dirty="0">
-                <a:latin typeface="Consolas" panose="020B0609020204030204" pitchFamily="49" charset="0"/>
-                <a:ea typeface="Cambria" panose="02040503050406030204" pitchFamily="18" charset="0"/>
-                <a:cs typeface="Times New Roman" panose="02020603050405020304" pitchFamily="18" charset="0"/>
-              </a:rPr>
-              <a:t> </a:t>
-            </a:r>
-            <a:r>
-              <a:rPr lang="en-US" sz="2400" dirty="0">
-                <a:solidFill>
-                  <a:srgbClr val="007020"/>
-                </a:solidFill>
-                <a:latin typeface="Consolas" panose="020B0609020204030204" pitchFamily="49" charset="0"/>
-                <a:ea typeface="Cambria" panose="02040503050406030204" pitchFamily="18" charset="0"/>
-                <a:cs typeface="Times New Roman" panose="02020603050405020304" pitchFamily="18" charset="0"/>
-              </a:rPr>
-              <a:t>-&gt;</a:t>
-            </a:r>
-            <a:r>
-              <a:rPr lang="en-US" sz="2400" dirty="0">
-                <a:latin typeface="Consolas" panose="020B0609020204030204" pitchFamily="49" charset="0"/>
-                <a:ea typeface="Cambria" panose="02040503050406030204" pitchFamily="18" charset="0"/>
-                <a:cs typeface="Times New Roman" panose="02020603050405020304" pitchFamily="18" charset="0"/>
-              </a:rPr>
-              <a:t> </a:t>
-            </a:r>
-            <a:r>
-              <a:rPr lang="en-US" sz="2400" dirty="0">
-                <a:solidFill>
-                  <a:srgbClr val="902000"/>
-                </a:solidFill>
-                <a:latin typeface="Consolas" panose="020B0609020204030204" pitchFamily="49" charset="0"/>
-                <a:ea typeface="Cambria" panose="02040503050406030204" pitchFamily="18" charset="0"/>
-                <a:cs typeface="Times New Roman" panose="02020603050405020304" pitchFamily="18" charset="0"/>
-              </a:rPr>
-              <a:t>Int</a:t>
+                <a:latin typeface="Consolas" panose="020B0609020204030204" pitchFamily="49" charset="0"/>
+                <a:ea typeface="Cambria" panose="02040503050406030204" pitchFamily="18" charset="0"/>
+                <a:cs typeface="Times New Roman" panose="02020603050405020304" pitchFamily="18" charset="0"/>
+              </a:rPr>
+              <a:t>:: (Int-&gt; Int) -&gt; Int -&gt; Int</a:t>
             </a:r>
             <a:br>
               <a:rPr lang="en-US" sz="2400" dirty="0">
@@ -12498,26 +11961,7 @@
                 <a:ea typeface="Cambria" panose="02040503050406030204" pitchFamily="18" charset="0"/>
                 <a:cs typeface="Times New Roman" panose="02020603050405020304" pitchFamily="18" charset="0"/>
               </a:rPr>
-              <a:t> f x </a:t>
-            </a:r>
-            <a:r>
-              <a:rPr lang="en-US" sz="2400" dirty="0">
-                <a:solidFill>
-                  <a:srgbClr val="06287E"/>
-                </a:solidFill>
-                <a:latin typeface="Consolas" panose="020B0609020204030204" pitchFamily="49" charset="0"/>
-                <a:ea typeface="Cambria" panose="02040503050406030204" pitchFamily="18" charset="0"/>
-                <a:cs typeface="Times New Roman" panose="02020603050405020304" pitchFamily="18" charset="0"/>
-              </a:rPr>
-              <a:t>=</a:t>
-            </a:r>
-            <a:r>
-              <a:rPr lang="en-US" sz="2400" dirty="0">
-                <a:latin typeface="Consolas" panose="020B0609020204030204" pitchFamily="49" charset="0"/>
-                <a:ea typeface="Cambria" panose="02040503050406030204" pitchFamily="18" charset="0"/>
-                <a:cs typeface="Times New Roman" panose="02020603050405020304" pitchFamily="18" charset="0"/>
-              </a:rPr>
-              <a:t> f (f x)</a:t>
+              <a:t> f x = f (f x)</a:t>
             </a:r>
             <a:endParaRPr lang="en-PH" dirty="0"/>
           </a:p>
@@ -13673,9 +13117,6 @@
             </a:pPr>
             <a:r>
               <a:rPr lang="en-US" dirty="0" err="1">
-                <a:solidFill>
-                  <a:srgbClr val="007020"/>
-                </a:solidFill>
                 <a:latin typeface="Consolas" panose="020B0609020204030204" pitchFamily="49" charset="0"/>
                 <a:ea typeface="Cambria" panose="02040503050406030204" pitchFamily="18" charset="0"/>
                 <a:cs typeface="Times New Roman" panose="02020603050405020304" pitchFamily="18" charset="0"/>
@@ -13684,63 +13125,11 @@
             </a:r>
             <a:r>
               <a:rPr lang="en-US" dirty="0">
-                <a:solidFill>
-                  <a:srgbClr val="007020"/>
-                </a:solidFill>
-                <a:latin typeface="Consolas" panose="020B0609020204030204" pitchFamily="49" charset="0"/>
-                <a:ea typeface="Cambria" panose="02040503050406030204" pitchFamily="18" charset="0"/>
-                <a:cs typeface="Times New Roman" panose="02020603050405020304" pitchFamily="18" charset="0"/>
-              </a:rPr>
-              <a:t>::</a:t>
-            </a:r>
-            <a:r>
-              <a:rPr lang="en-US" dirty="0">
-                <a:solidFill>
-                  <a:srgbClr val="902000"/>
-                </a:solidFill>
-                <a:latin typeface="Consolas" panose="020B0609020204030204" pitchFamily="49" charset="0"/>
-                <a:ea typeface="Cambria" panose="02040503050406030204" pitchFamily="18" charset="0"/>
-                <a:cs typeface="Times New Roman" panose="02020603050405020304" pitchFamily="18" charset="0"/>
-              </a:rPr>
-              <a:t>Int</a:t>
-            </a:r>
-            <a:r>
-              <a:rPr lang="en-US" dirty="0">
-                <a:latin typeface="Consolas" panose="020B0609020204030204" pitchFamily="49" charset="0"/>
-                <a:ea typeface="Cambria" panose="02040503050406030204" pitchFamily="18" charset="0"/>
-                <a:cs typeface="Times New Roman" panose="02020603050405020304" pitchFamily="18" charset="0"/>
-              </a:rPr>
-              <a:t> </a:t>
-            </a:r>
-            <a:r>
-              <a:rPr lang="en-US" dirty="0">
-                <a:solidFill>
-                  <a:srgbClr val="007020"/>
-                </a:solidFill>
-                <a:latin typeface="Consolas" panose="020B0609020204030204" pitchFamily="49" charset="0"/>
-                <a:ea typeface="Cambria" panose="02040503050406030204" pitchFamily="18" charset="0"/>
-                <a:cs typeface="Times New Roman" panose="02020603050405020304" pitchFamily="18" charset="0"/>
-              </a:rPr>
-              <a:t>-&gt;</a:t>
-            </a:r>
-            <a:r>
-              <a:rPr lang="en-US" dirty="0">
-                <a:latin typeface="Consolas" panose="020B0609020204030204" pitchFamily="49" charset="0"/>
-                <a:ea typeface="Cambria" panose="02040503050406030204" pitchFamily="18" charset="0"/>
-                <a:cs typeface="Times New Roman" panose="02020603050405020304" pitchFamily="18" charset="0"/>
-              </a:rPr>
-              <a:t> </a:t>
-            </a:r>
-            <a:r>
-              <a:rPr lang="en-US" dirty="0">
-                <a:solidFill>
-                  <a:srgbClr val="902000"/>
-                </a:solidFill>
-                <a:latin typeface="Consolas" panose="020B0609020204030204" pitchFamily="49" charset="0"/>
-                <a:ea typeface="Cambria" panose="02040503050406030204" pitchFamily="18" charset="0"/>
-                <a:cs typeface="Times New Roman" panose="02020603050405020304" pitchFamily="18" charset="0"/>
-              </a:rPr>
-              <a:t>Int</a:t>
+                <a:latin typeface="Consolas" panose="020B0609020204030204" pitchFamily="49" charset="0"/>
+                <a:ea typeface="Cambria" panose="02040503050406030204" pitchFamily="18" charset="0"/>
+                <a:cs typeface="Times New Roman" panose="02020603050405020304" pitchFamily="18" charset="0"/>
+              </a:rPr>
+              <a:t>::Int -&gt; Int</a:t>
             </a:r>
             <a:br>
               <a:rPr lang="en-US" dirty="0">
@@ -13763,75 +13152,7 @@
                 <a:ea typeface="Cambria" panose="02040503050406030204" pitchFamily="18" charset="0"/>
                 <a:cs typeface="Times New Roman" panose="02020603050405020304" pitchFamily="18" charset="0"/>
               </a:rPr>
-              <a:t> </a:t>
-            </a:r>
-            <a:r>
-              <a:rPr lang="en-US" dirty="0">
-                <a:solidFill>
-                  <a:srgbClr val="06287E"/>
-                </a:solidFill>
-                <a:latin typeface="Consolas" panose="020B0609020204030204" pitchFamily="49" charset="0"/>
-                <a:ea typeface="Cambria" panose="02040503050406030204" pitchFamily="18" charset="0"/>
-                <a:cs typeface="Times New Roman" panose="02020603050405020304" pitchFamily="18" charset="0"/>
-              </a:rPr>
-              <a:t>=</a:t>
-            </a:r>
-            <a:r>
-              <a:rPr lang="en-US" dirty="0">
-                <a:latin typeface="Consolas" panose="020B0609020204030204" pitchFamily="49" charset="0"/>
-                <a:ea typeface="Cambria" panose="02040503050406030204" pitchFamily="18" charset="0"/>
-                <a:cs typeface="Times New Roman" panose="02020603050405020304" pitchFamily="18" charset="0"/>
-              </a:rPr>
-              <a:t> x </a:t>
-            </a:r>
-            <a:r>
-              <a:rPr lang="en-US" dirty="0">
-                <a:solidFill>
-                  <a:srgbClr val="06287E"/>
-                </a:solidFill>
-                <a:latin typeface="Consolas" panose="020B0609020204030204" pitchFamily="49" charset="0"/>
-                <a:ea typeface="Cambria" panose="02040503050406030204" pitchFamily="18" charset="0"/>
-                <a:cs typeface="Times New Roman" panose="02020603050405020304" pitchFamily="18" charset="0"/>
-              </a:rPr>
-              <a:t>=</a:t>
-            </a:r>
-            <a:r>
-              <a:rPr lang="en-US" dirty="0">
-                <a:latin typeface="Consolas" panose="020B0609020204030204" pitchFamily="49" charset="0"/>
-                <a:ea typeface="Cambria" panose="02040503050406030204" pitchFamily="18" charset="0"/>
-                <a:cs typeface="Times New Roman" panose="02020603050405020304" pitchFamily="18" charset="0"/>
-              </a:rPr>
-              <a:t> x </a:t>
-            </a:r>
-            <a:r>
-              <a:rPr lang="en-US" dirty="0">
-                <a:solidFill>
-                  <a:srgbClr val="06287E"/>
-                </a:solidFill>
-                <a:latin typeface="Consolas" panose="020B0609020204030204" pitchFamily="49" charset="0"/>
-                <a:ea typeface="Cambria" panose="02040503050406030204" pitchFamily="18" charset="0"/>
-                <a:cs typeface="Times New Roman" panose="02020603050405020304" pitchFamily="18" charset="0"/>
-              </a:rPr>
-              <a:t>+</a:t>
-            </a:r>
-            <a:r>
-              <a:rPr lang="en-US" dirty="0">
-                <a:latin typeface="Consolas" panose="020B0609020204030204" pitchFamily="49" charset="0"/>
-                <a:ea typeface="Cambria" panose="02040503050406030204" pitchFamily="18" charset="0"/>
-                <a:cs typeface="Times New Roman" panose="02020603050405020304" pitchFamily="18" charset="0"/>
-              </a:rPr>
-              <a:t> </a:t>
-            </a:r>
-            <a:r>
-              <a:rPr lang="en-US" dirty="0">
-                <a:solidFill>
-                  <a:srgbClr val="40A070"/>
-                </a:solidFill>
-                <a:latin typeface="Consolas" panose="020B0609020204030204" pitchFamily="49" charset="0"/>
-                <a:ea typeface="Cambria" panose="02040503050406030204" pitchFamily="18" charset="0"/>
-                <a:cs typeface="Times New Roman" panose="02020603050405020304" pitchFamily="18" charset="0"/>
-              </a:rPr>
-              <a:t>2</a:t>
+              <a:t> x = x + 2</a:t>
             </a:r>
             <a:br>
               <a:rPr lang="en-US" dirty="0">
@@ -13849,9 +13170,6 @@
             </a:br>
             <a:r>
               <a:rPr lang="en-US" dirty="0" err="1">
-                <a:solidFill>
-                  <a:srgbClr val="007020"/>
-                </a:solidFill>
                 <a:latin typeface="Consolas" panose="020B0609020204030204" pitchFamily="49" charset="0"/>
                 <a:ea typeface="Cambria" panose="02040503050406030204" pitchFamily="18" charset="0"/>
                 <a:cs typeface="Times New Roman" panose="02020603050405020304" pitchFamily="18" charset="0"/>
@@ -13860,63 +13178,11 @@
             </a:r>
             <a:r>
               <a:rPr lang="en-US" dirty="0">
-                <a:solidFill>
-                  <a:srgbClr val="007020"/>
-                </a:solidFill>
-                <a:latin typeface="Consolas" panose="020B0609020204030204" pitchFamily="49" charset="0"/>
-                <a:ea typeface="Cambria" panose="02040503050406030204" pitchFamily="18" charset="0"/>
-                <a:cs typeface="Times New Roman" panose="02020603050405020304" pitchFamily="18" charset="0"/>
-              </a:rPr>
-              <a:t>::</a:t>
-            </a:r>
-            <a:r>
-              <a:rPr lang="en-US" dirty="0">
-                <a:solidFill>
-                  <a:srgbClr val="902000"/>
-                </a:solidFill>
-                <a:latin typeface="Consolas" panose="020B0609020204030204" pitchFamily="49" charset="0"/>
-                <a:ea typeface="Cambria" panose="02040503050406030204" pitchFamily="18" charset="0"/>
-                <a:cs typeface="Times New Roman" panose="02020603050405020304" pitchFamily="18" charset="0"/>
-              </a:rPr>
-              <a:t>Int</a:t>
-            </a:r>
-            <a:r>
-              <a:rPr lang="en-US" dirty="0">
-                <a:latin typeface="Consolas" panose="020B0609020204030204" pitchFamily="49" charset="0"/>
-                <a:ea typeface="Cambria" panose="02040503050406030204" pitchFamily="18" charset="0"/>
-                <a:cs typeface="Times New Roman" panose="02020603050405020304" pitchFamily="18" charset="0"/>
-              </a:rPr>
-              <a:t> </a:t>
-            </a:r>
-            <a:r>
-              <a:rPr lang="en-US" dirty="0">
-                <a:solidFill>
-                  <a:srgbClr val="007020"/>
-                </a:solidFill>
-                <a:latin typeface="Consolas" panose="020B0609020204030204" pitchFamily="49" charset="0"/>
-                <a:ea typeface="Cambria" panose="02040503050406030204" pitchFamily="18" charset="0"/>
-                <a:cs typeface="Times New Roman" panose="02020603050405020304" pitchFamily="18" charset="0"/>
-              </a:rPr>
-              <a:t>-&gt;</a:t>
-            </a:r>
-            <a:r>
-              <a:rPr lang="en-US" dirty="0">
-                <a:latin typeface="Consolas" panose="020B0609020204030204" pitchFamily="49" charset="0"/>
-                <a:ea typeface="Cambria" panose="02040503050406030204" pitchFamily="18" charset="0"/>
-                <a:cs typeface="Times New Roman" panose="02020603050405020304" pitchFamily="18" charset="0"/>
-              </a:rPr>
-              <a:t> </a:t>
-            </a:r>
-            <a:r>
-              <a:rPr lang="en-US" dirty="0">
-                <a:solidFill>
-                  <a:srgbClr val="902000"/>
-                </a:solidFill>
-                <a:latin typeface="Consolas" panose="020B0609020204030204" pitchFamily="49" charset="0"/>
-                <a:ea typeface="Cambria" panose="02040503050406030204" pitchFamily="18" charset="0"/>
-                <a:cs typeface="Times New Roman" panose="02020603050405020304" pitchFamily="18" charset="0"/>
-              </a:rPr>
-              <a:t>Int</a:t>
+                <a:latin typeface="Consolas" panose="020B0609020204030204" pitchFamily="49" charset="0"/>
+                <a:ea typeface="Cambria" panose="02040503050406030204" pitchFamily="18" charset="0"/>
+                <a:cs typeface="Times New Roman" panose="02020603050405020304" pitchFamily="18" charset="0"/>
+              </a:rPr>
+              <a:t>::Int -&gt; Int</a:t>
             </a:r>
             <a:br>
               <a:rPr lang="en-US" dirty="0">
@@ -13939,56 +13205,7 @@
                 <a:ea typeface="Cambria" panose="02040503050406030204" pitchFamily="18" charset="0"/>
                 <a:cs typeface="Times New Roman" panose="02020603050405020304" pitchFamily="18" charset="0"/>
               </a:rPr>
-              <a:t> x </a:t>
-            </a:r>
-            <a:r>
-              <a:rPr lang="en-US" dirty="0">
-                <a:solidFill>
-                  <a:srgbClr val="06287E"/>
-                </a:solidFill>
-                <a:latin typeface="Consolas" panose="020B0609020204030204" pitchFamily="49" charset="0"/>
-                <a:ea typeface="Cambria" panose="02040503050406030204" pitchFamily="18" charset="0"/>
-                <a:cs typeface="Times New Roman" panose="02020603050405020304" pitchFamily="18" charset="0"/>
-              </a:rPr>
-              <a:t>=</a:t>
-            </a:r>
-            <a:r>
-              <a:rPr lang="en-US" dirty="0">
-                <a:latin typeface="Consolas" panose="020B0609020204030204" pitchFamily="49" charset="0"/>
-                <a:ea typeface="Cambria" panose="02040503050406030204" pitchFamily="18" charset="0"/>
-                <a:cs typeface="Times New Roman" panose="02020603050405020304" pitchFamily="18" charset="0"/>
-              </a:rPr>
-              <a:t> x </a:t>
-            </a:r>
-            <a:r>
-              <a:rPr lang="en-US" dirty="0">
-                <a:solidFill>
-                  <a:srgbClr val="06287E"/>
-                </a:solidFill>
-                <a:latin typeface="Consolas" panose="020B0609020204030204" pitchFamily="49" charset="0"/>
-                <a:ea typeface="Cambria" panose="02040503050406030204" pitchFamily="18" charset="0"/>
-                <a:cs typeface="Times New Roman" panose="02020603050405020304" pitchFamily="18" charset="0"/>
-              </a:rPr>
-              <a:t>+</a:t>
-            </a:r>
-            <a:r>
-              <a:rPr lang="en-US" dirty="0">
-                <a:latin typeface="Consolas" panose="020B0609020204030204" pitchFamily="49" charset="0"/>
-                <a:ea typeface="Cambria" panose="02040503050406030204" pitchFamily="18" charset="0"/>
-                <a:cs typeface="Times New Roman" panose="02020603050405020304" pitchFamily="18" charset="0"/>
-              </a:rPr>
-              <a:t> </a:t>
-            </a:r>
-            <a:r>
-              <a:rPr lang="en-US" dirty="0">
-                <a:solidFill>
-                  <a:srgbClr val="40A070"/>
-                </a:solidFill>
-                <a:latin typeface="Consolas" panose="020B0609020204030204" pitchFamily="49" charset="0"/>
-                <a:ea typeface="Cambria" panose="02040503050406030204" pitchFamily="18" charset="0"/>
-                <a:cs typeface="Times New Roman" panose="02020603050405020304" pitchFamily="18" charset="0"/>
-              </a:rPr>
-              <a:t>3</a:t>
+              <a:t> x = x + 3</a:t>
             </a:r>
             <a:br>
               <a:rPr lang="en-US" dirty="0">
@@ -14006,9 +13223,6 @@
             </a:br>
             <a:r>
               <a:rPr lang="en-US" dirty="0" err="1">
-                <a:solidFill>
-                  <a:srgbClr val="007020"/>
-                </a:solidFill>
                 <a:latin typeface="Consolas" panose="020B0609020204030204" pitchFamily="49" charset="0"/>
                 <a:ea typeface="Cambria" panose="02040503050406030204" pitchFamily="18" charset="0"/>
                 <a:cs typeface="Times New Roman" panose="02020603050405020304" pitchFamily="18" charset="0"/>
@@ -14017,71 +13231,11 @@
             </a:r>
             <a:r>
               <a:rPr lang="en-US" dirty="0">
-                <a:solidFill>
-                  <a:srgbClr val="007020"/>
-                </a:solidFill>
-                <a:latin typeface="Consolas" panose="020B0609020204030204" pitchFamily="49" charset="0"/>
-                <a:ea typeface="Cambria" panose="02040503050406030204" pitchFamily="18" charset="0"/>
-                <a:cs typeface="Times New Roman" panose="02020603050405020304" pitchFamily="18" charset="0"/>
-              </a:rPr>
-              <a:t>::</a:t>
-            </a:r>
-            <a:r>
-              <a:rPr lang="en-US" dirty="0">
-                <a:latin typeface="Consolas" panose="020B0609020204030204" pitchFamily="49" charset="0"/>
-                <a:ea typeface="Cambria" panose="02040503050406030204" pitchFamily="18" charset="0"/>
-                <a:cs typeface="Times New Roman" panose="02020603050405020304" pitchFamily="18" charset="0"/>
-              </a:rPr>
-              <a:t> </a:t>
-            </a:r>
-            <a:r>
-              <a:rPr lang="en-US" dirty="0">
-                <a:solidFill>
-                  <a:srgbClr val="902000"/>
-                </a:solidFill>
-                <a:latin typeface="Consolas" panose="020B0609020204030204" pitchFamily="49" charset="0"/>
-                <a:ea typeface="Cambria" panose="02040503050406030204" pitchFamily="18" charset="0"/>
-                <a:cs typeface="Times New Roman" panose="02020603050405020304" pitchFamily="18" charset="0"/>
-              </a:rPr>
-              <a:t>Int</a:t>
-            </a:r>
-            <a:r>
-              <a:rPr lang="en-US" dirty="0">
-                <a:latin typeface="Consolas" panose="020B0609020204030204" pitchFamily="49" charset="0"/>
-                <a:ea typeface="Cambria" panose="02040503050406030204" pitchFamily="18" charset="0"/>
-                <a:cs typeface="Times New Roman" panose="02020603050405020304" pitchFamily="18" charset="0"/>
-              </a:rPr>
-              <a:t> </a:t>
-            </a:r>
-            <a:r>
-              <a:rPr lang="en-US" dirty="0">
-                <a:solidFill>
-                  <a:srgbClr val="007020"/>
-                </a:solidFill>
-                <a:latin typeface="Consolas" panose="020B0609020204030204" pitchFamily="49" charset="0"/>
-                <a:ea typeface="Cambria" panose="02040503050406030204" pitchFamily="18" charset="0"/>
-                <a:cs typeface="Times New Roman" panose="02020603050405020304" pitchFamily="18" charset="0"/>
-              </a:rPr>
-              <a:t>-&gt;</a:t>
-            </a:r>
-            <a:r>
-              <a:rPr lang="en-US" dirty="0">
-                <a:latin typeface="Consolas" panose="020B0609020204030204" pitchFamily="49" charset="0"/>
-                <a:ea typeface="Cambria" panose="02040503050406030204" pitchFamily="18" charset="0"/>
-                <a:cs typeface="Times New Roman" panose="02020603050405020304" pitchFamily="18" charset="0"/>
-              </a:rPr>
-              <a:t> </a:t>
-            </a:r>
-            <a:r>
-              <a:rPr lang="en-US" dirty="0">
-                <a:solidFill>
-                  <a:srgbClr val="902000"/>
-                </a:solidFill>
-                <a:latin typeface="Consolas" panose="020B0609020204030204" pitchFamily="49" charset="0"/>
-                <a:ea typeface="Cambria" panose="02040503050406030204" pitchFamily="18" charset="0"/>
-                <a:cs typeface="Times New Roman" panose="02020603050405020304" pitchFamily="18" charset="0"/>
-              </a:rPr>
-              <a:t>Int</a:t>
+                <a:latin typeface="Consolas" panose="020B0609020204030204" pitchFamily="49" charset="0"/>
+                <a:ea typeface="Cambria" panose="02040503050406030204" pitchFamily="18" charset="0"/>
+                <a:cs typeface="Times New Roman" panose="02020603050405020304" pitchFamily="18" charset="0"/>
+              </a:rPr>
+              <a:t>:: Int -&gt; Int</a:t>
             </a:r>
             <a:br>
               <a:rPr lang="en-US" dirty="0">
@@ -14099,61 +13253,20 @@
               <a:t>addFour</a:t>
             </a:r>
             <a:r>
+              <a:rPr lang="en-US">
+                <a:latin typeface="Consolas" panose="020B0609020204030204" pitchFamily="49" charset="0"/>
+                <a:ea typeface="Cambria" panose="02040503050406030204" pitchFamily="18" charset="0"/>
+                <a:cs typeface="Times New Roman" panose="02020603050405020304" pitchFamily="18" charset="0"/>
+              </a:rPr>
+              <a:t> x = </a:t>
+            </a:r>
+            <a:r>
               <a:rPr lang="en-US" dirty="0">
                 <a:latin typeface="Consolas" panose="020B0609020204030204" pitchFamily="49" charset="0"/>
                 <a:ea typeface="Cambria" panose="02040503050406030204" pitchFamily="18" charset="0"/>
                 <a:cs typeface="Times New Roman" panose="02020603050405020304" pitchFamily="18" charset="0"/>
               </a:rPr>
-              <a:t> </a:t>
-            </a:r>
-            <a:r>
-              <a:rPr lang="en-US" dirty="0">
-                <a:solidFill>
-                  <a:srgbClr val="06287E"/>
-                </a:solidFill>
-                <a:latin typeface="Consolas" panose="020B0609020204030204" pitchFamily="49" charset="0"/>
-                <a:ea typeface="Cambria" panose="02040503050406030204" pitchFamily="18" charset="0"/>
-                <a:cs typeface="Times New Roman" panose="02020603050405020304" pitchFamily="18" charset="0"/>
-              </a:rPr>
-              <a:t>=</a:t>
-            </a:r>
-            <a:r>
-              <a:rPr lang="en-US" dirty="0">
-                <a:latin typeface="Consolas" panose="020B0609020204030204" pitchFamily="49" charset="0"/>
-                <a:ea typeface="Cambria" panose="02040503050406030204" pitchFamily="18" charset="0"/>
-                <a:cs typeface="Times New Roman" panose="02020603050405020304" pitchFamily="18" charset="0"/>
-              </a:rPr>
-              <a:t> x </a:t>
-            </a:r>
-            <a:r>
-              <a:rPr lang="en-US" dirty="0">
-                <a:solidFill>
-                  <a:srgbClr val="06287E"/>
-                </a:solidFill>
-                <a:latin typeface="Consolas" panose="020B0609020204030204" pitchFamily="49" charset="0"/>
-                <a:ea typeface="Cambria" panose="02040503050406030204" pitchFamily="18" charset="0"/>
-                <a:cs typeface="Times New Roman" panose="02020603050405020304" pitchFamily="18" charset="0"/>
-              </a:rPr>
-              <a:t>+</a:t>
-            </a:r>
-            <a:r>
-              <a:rPr lang="en-US" dirty="0">
-                <a:latin typeface="Consolas" panose="020B0609020204030204" pitchFamily="49" charset="0"/>
-                <a:ea typeface="Cambria" panose="02040503050406030204" pitchFamily="18" charset="0"/>
-                <a:cs typeface="Times New Roman" panose="02020603050405020304" pitchFamily="18" charset="0"/>
-              </a:rPr>
-              <a:t> </a:t>
-            </a:r>
-            <a:r>
-              <a:rPr lang="en-US" dirty="0">
-                <a:solidFill>
-                  <a:srgbClr val="40A070"/>
-                </a:solidFill>
-                <a:latin typeface="Consolas" panose="020B0609020204030204" pitchFamily="49" charset="0"/>
-                <a:ea typeface="Cambria" panose="02040503050406030204" pitchFamily="18" charset="0"/>
-                <a:cs typeface="Times New Roman" panose="02020603050405020304" pitchFamily="18" charset="0"/>
-              </a:rPr>
-              <a:t>4</a:t>
+              <a:t>x + 4</a:t>
             </a:r>
             <a:endParaRPr lang="en-PH" dirty="0">
               <a:latin typeface="Consolas" panose="020B0609020204030204" pitchFamily="49" charset="0"/>
@@ -14788,9 +13901,6 @@
             </a:pPr>
             <a:r>
               <a:rPr lang="en-US" sz="3200" dirty="0" err="1">
-                <a:solidFill>
-                  <a:srgbClr val="007020"/>
-                </a:solidFill>
                 <a:latin typeface="Consolas" panose="020B0609020204030204" pitchFamily="49" charset="0"/>
                 <a:ea typeface="Cambria" panose="02040503050406030204" pitchFamily="18" charset="0"/>
                 <a:cs typeface="Times New Roman" panose="02020603050405020304" pitchFamily="18" charset="0"/>
@@ -14799,93 +13909,11 @@
             </a:r>
             <a:r>
               <a:rPr lang="en-US" sz="3200" dirty="0">
-                <a:solidFill>
-                  <a:srgbClr val="007020"/>
-                </a:solidFill>
-                <a:latin typeface="Consolas" panose="020B0609020204030204" pitchFamily="49" charset="0"/>
-                <a:ea typeface="Cambria" panose="02040503050406030204" pitchFamily="18" charset="0"/>
-                <a:cs typeface="Times New Roman" panose="02020603050405020304" pitchFamily="18" charset="0"/>
-              </a:rPr>
-              <a:t>::</a:t>
-            </a:r>
-            <a:r>
-              <a:rPr lang="en-US" sz="3200" dirty="0">
-                <a:solidFill>
-                  <a:srgbClr val="902000"/>
-                </a:solidFill>
-                <a:latin typeface="Consolas" panose="020B0609020204030204" pitchFamily="49" charset="0"/>
-                <a:ea typeface="Cambria" panose="02040503050406030204" pitchFamily="18" charset="0"/>
-                <a:cs typeface="Times New Roman" panose="02020603050405020304" pitchFamily="18" charset="0"/>
-              </a:rPr>
-              <a:t>Int</a:t>
-            </a:r>
-            <a:r>
-              <a:rPr lang="en-US" sz="3200" dirty="0">
-                <a:latin typeface="Consolas" panose="020B0609020204030204" pitchFamily="49" charset="0"/>
-                <a:ea typeface="Cambria" panose="02040503050406030204" pitchFamily="18" charset="0"/>
-                <a:cs typeface="Times New Roman" panose="02020603050405020304" pitchFamily="18" charset="0"/>
-              </a:rPr>
-              <a:t> </a:t>
-            </a:r>
-            <a:r>
-              <a:rPr lang="en-US" sz="3200" dirty="0">
-                <a:solidFill>
-                  <a:srgbClr val="007020"/>
-                </a:solidFill>
-                <a:latin typeface="Consolas" panose="020B0609020204030204" pitchFamily="49" charset="0"/>
-                <a:ea typeface="Cambria" panose="02040503050406030204" pitchFamily="18" charset="0"/>
-                <a:cs typeface="Times New Roman" panose="02020603050405020304" pitchFamily="18" charset="0"/>
-              </a:rPr>
-              <a:t>-&gt;</a:t>
-            </a:r>
-            <a:r>
-              <a:rPr lang="en-US" sz="3200" dirty="0">
-                <a:latin typeface="Consolas" panose="020B0609020204030204" pitchFamily="49" charset="0"/>
-                <a:ea typeface="Cambria" panose="02040503050406030204" pitchFamily="18" charset="0"/>
-                <a:cs typeface="Times New Roman" panose="02020603050405020304" pitchFamily="18" charset="0"/>
-              </a:rPr>
-              <a:t> (</a:t>
-            </a:r>
-            <a:r>
-              <a:rPr lang="en-US" sz="3200" dirty="0">
-                <a:solidFill>
-                  <a:srgbClr val="902000"/>
-                </a:solidFill>
-                <a:latin typeface="Consolas" panose="020B0609020204030204" pitchFamily="49" charset="0"/>
-                <a:ea typeface="Cambria" panose="02040503050406030204" pitchFamily="18" charset="0"/>
-                <a:cs typeface="Times New Roman" panose="02020603050405020304" pitchFamily="18" charset="0"/>
-              </a:rPr>
-              <a:t>Int</a:t>
-            </a:r>
-            <a:r>
-              <a:rPr lang="en-US" sz="3200" dirty="0">
-                <a:solidFill>
-                  <a:srgbClr val="007020"/>
-                </a:solidFill>
-                <a:latin typeface="Consolas" panose="020B0609020204030204" pitchFamily="49" charset="0"/>
-                <a:ea typeface="Cambria" panose="02040503050406030204" pitchFamily="18" charset="0"/>
-                <a:cs typeface="Times New Roman" panose="02020603050405020304" pitchFamily="18" charset="0"/>
-              </a:rPr>
-              <a:t>-&gt;</a:t>
-            </a:r>
-            <a:r>
-              <a:rPr lang="en-US" sz="3200" dirty="0">
-                <a:solidFill>
-                  <a:srgbClr val="902000"/>
-                </a:solidFill>
-                <a:latin typeface="Consolas" panose="020B0609020204030204" pitchFamily="49" charset="0"/>
-                <a:ea typeface="Cambria" panose="02040503050406030204" pitchFamily="18" charset="0"/>
-                <a:cs typeface="Times New Roman" panose="02020603050405020304" pitchFamily="18" charset="0"/>
-              </a:rPr>
-              <a:t>Int</a:t>
-            </a:r>
-            <a:r>
-              <a:rPr lang="en-US" sz="3200" dirty="0">
-                <a:latin typeface="Consolas" panose="020B0609020204030204" pitchFamily="49" charset="0"/>
-                <a:ea typeface="Cambria" panose="02040503050406030204" pitchFamily="18" charset="0"/>
-                <a:cs typeface="Times New Roman" panose="02020603050405020304" pitchFamily="18" charset="0"/>
-              </a:rPr>
-              <a:t>)</a:t>
+                <a:latin typeface="Consolas" panose="020B0609020204030204" pitchFamily="49" charset="0"/>
+                <a:ea typeface="Cambria" panose="02040503050406030204" pitchFamily="18" charset="0"/>
+                <a:cs typeface="Times New Roman" panose="02020603050405020304" pitchFamily="18" charset="0"/>
+              </a:rPr>
+              <a:t>::Int -&gt; (Int-&gt;Int)</a:t>
             </a:r>
             <a:br>
               <a:rPr lang="en-US" sz="3200" dirty="0">
@@ -14908,64 +13936,7 @@
                 <a:ea typeface="Cambria" panose="02040503050406030204" pitchFamily="18" charset="0"/>
                 <a:cs typeface="Times New Roman" panose="02020603050405020304" pitchFamily="18" charset="0"/>
               </a:rPr>
-              <a:t> x </a:t>
-            </a:r>
-            <a:r>
-              <a:rPr lang="en-US" sz="3200" dirty="0">
-                <a:solidFill>
-                  <a:srgbClr val="06287E"/>
-                </a:solidFill>
-                <a:latin typeface="Consolas" panose="020B0609020204030204" pitchFamily="49" charset="0"/>
-                <a:ea typeface="Cambria" panose="02040503050406030204" pitchFamily="18" charset="0"/>
-                <a:cs typeface="Times New Roman" panose="02020603050405020304" pitchFamily="18" charset="0"/>
-              </a:rPr>
-              <a:t>=</a:t>
-            </a:r>
-            <a:r>
-              <a:rPr lang="en-US" sz="3200" dirty="0">
-                <a:latin typeface="Consolas" panose="020B0609020204030204" pitchFamily="49" charset="0"/>
-                <a:ea typeface="Cambria" panose="02040503050406030204" pitchFamily="18" charset="0"/>
-                <a:cs typeface="Times New Roman" panose="02020603050405020304" pitchFamily="18" charset="0"/>
-              </a:rPr>
-              <a:t> (\y </a:t>
-            </a:r>
-            <a:r>
-              <a:rPr lang="en-US" sz="3200" dirty="0">
-                <a:solidFill>
-                  <a:srgbClr val="007020"/>
-                </a:solidFill>
-                <a:latin typeface="Consolas" panose="020B0609020204030204" pitchFamily="49" charset="0"/>
-                <a:ea typeface="Cambria" panose="02040503050406030204" pitchFamily="18" charset="0"/>
-                <a:cs typeface="Times New Roman" panose="02020603050405020304" pitchFamily="18" charset="0"/>
-              </a:rPr>
-              <a:t>-&gt;</a:t>
-            </a:r>
-            <a:r>
-              <a:rPr lang="en-US" sz="3200" dirty="0">
-                <a:latin typeface="Consolas" panose="020B0609020204030204" pitchFamily="49" charset="0"/>
-                <a:ea typeface="Cambria" panose="02040503050406030204" pitchFamily="18" charset="0"/>
-                <a:cs typeface="Times New Roman" panose="02020603050405020304" pitchFamily="18" charset="0"/>
-              </a:rPr>
-              <a:t> x </a:t>
-            </a:r>
-            <a:r>
-              <a:rPr lang="en-US" sz="3200" dirty="0">
-                <a:solidFill>
-                  <a:srgbClr val="06287E"/>
-                </a:solidFill>
-                <a:latin typeface="Consolas" panose="020B0609020204030204" pitchFamily="49" charset="0"/>
-                <a:ea typeface="Cambria" panose="02040503050406030204" pitchFamily="18" charset="0"/>
-                <a:cs typeface="Times New Roman" panose="02020603050405020304" pitchFamily="18" charset="0"/>
-              </a:rPr>
-              <a:t>+</a:t>
-            </a:r>
-            <a:r>
-              <a:rPr lang="en-US" sz="3200" dirty="0">
-                <a:latin typeface="Consolas" panose="020B0609020204030204" pitchFamily="49" charset="0"/>
-                <a:ea typeface="Cambria" panose="02040503050406030204" pitchFamily="18" charset="0"/>
-                <a:cs typeface="Times New Roman" panose="02020603050405020304" pitchFamily="18" charset="0"/>
-              </a:rPr>
-              <a:t> y)</a:t>
+              <a:t> x = (\y -&gt; x + y)</a:t>
             </a:r>
             <a:endParaRPr lang="en-PH" dirty="0">
               <a:latin typeface="Consolas" panose="020B0609020204030204" pitchFamily="49" charset="0"/>
@@ -16966,45 +15937,7 @@
                 <a:ea typeface="Cambria" panose="02040503050406030204" pitchFamily="18" charset="0"/>
                 <a:cs typeface="Times New Roman" panose="02020603050405020304" pitchFamily="18" charset="0"/>
               </a:rPr>
-              <a:t>plus x y </a:t>
-            </a:r>
-            <a:r>
-              <a:rPr lang="en-US" dirty="0">
-                <a:solidFill>
-                  <a:srgbClr val="06287E"/>
-                </a:solidFill>
-                <a:latin typeface="Consolas" panose="020B0609020204030204" pitchFamily="49" charset="0"/>
-                <a:ea typeface="Cambria" panose="02040503050406030204" pitchFamily="18" charset="0"/>
-                <a:cs typeface="Times New Roman" panose="02020603050405020304" pitchFamily="18" charset="0"/>
-              </a:rPr>
-              <a:t>=</a:t>
-            </a:r>
-            <a:r>
-              <a:rPr lang="en-US" dirty="0">
-                <a:latin typeface="Consolas" panose="020B0609020204030204" pitchFamily="49" charset="0"/>
-                <a:ea typeface="Cambria" panose="02040503050406030204" pitchFamily="18" charset="0"/>
-                <a:cs typeface="Times New Roman" panose="02020603050405020304" pitchFamily="18" charset="0"/>
-              </a:rPr>
-              <a:t> x </a:t>
-            </a:r>
-            <a:r>
-              <a:rPr lang="en-US" dirty="0">
-                <a:solidFill>
-                  <a:srgbClr val="06287E"/>
-                </a:solidFill>
-                <a:latin typeface="Consolas" panose="020B0609020204030204" pitchFamily="49" charset="0"/>
-                <a:ea typeface="Cambria" panose="02040503050406030204" pitchFamily="18" charset="0"/>
-                <a:cs typeface="Times New Roman" panose="02020603050405020304" pitchFamily="18" charset="0"/>
-              </a:rPr>
-              <a:t>+</a:t>
-            </a:r>
-            <a:r>
-              <a:rPr lang="en-US" dirty="0">
-                <a:latin typeface="Consolas" panose="020B0609020204030204" pitchFamily="49" charset="0"/>
-                <a:ea typeface="Cambria" panose="02040503050406030204" pitchFamily="18" charset="0"/>
-                <a:cs typeface="Times New Roman" panose="02020603050405020304" pitchFamily="18" charset="0"/>
-              </a:rPr>
-              <a:t> y</a:t>
+              <a:t>plus x y = x + y</a:t>
             </a:r>
             <a:endParaRPr lang="en-PH" dirty="0">
               <a:latin typeface="Consolas" panose="020B0609020204030204" pitchFamily="49" charset="0"/>
@@ -17246,83 +16179,7 @@
                 <a:ea typeface="Cambria" panose="02040503050406030204" pitchFamily="18" charset="0"/>
                 <a:cs typeface="Times New Roman" panose="02020603050405020304" pitchFamily="18" charset="0"/>
               </a:rPr>
-              <a:t>plus </a:t>
-            </a:r>
-            <a:r>
-              <a:rPr lang="en-US" sz="3200" dirty="0">
-                <a:solidFill>
-                  <a:srgbClr val="06287E"/>
-                </a:solidFill>
-                <a:latin typeface="Consolas" panose="020B0609020204030204" pitchFamily="49" charset="0"/>
-                <a:ea typeface="Cambria" panose="02040503050406030204" pitchFamily="18" charset="0"/>
-                <a:cs typeface="Times New Roman" panose="02020603050405020304" pitchFamily="18" charset="0"/>
-              </a:rPr>
-              <a:t>=</a:t>
-            </a:r>
-            <a:r>
-              <a:rPr lang="en-US" sz="3200" dirty="0">
-                <a:latin typeface="Consolas" panose="020B0609020204030204" pitchFamily="49" charset="0"/>
-                <a:ea typeface="Cambria" panose="02040503050406030204" pitchFamily="18" charset="0"/>
-                <a:cs typeface="Times New Roman" panose="02020603050405020304" pitchFamily="18" charset="0"/>
-              </a:rPr>
-              <a:t> \x </a:t>
-            </a:r>
-            <a:r>
-              <a:rPr lang="en-US" sz="3200" dirty="0">
-                <a:solidFill>
-                  <a:srgbClr val="007020"/>
-                </a:solidFill>
-                <a:latin typeface="Consolas" panose="020B0609020204030204" pitchFamily="49" charset="0"/>
-                <a:ea typeface="Cambria" panose="02040503050406030204" pitchFamily="18" charset="0"/>
-                <a:cs typeface="Times New Roman" panose="02020603050405020304" pitchFamily="18" charset="0"/>
-              </a:rPr>
-              <a:t>-&gt;</a:t>
-            </a:r>
-            <a:r>
-              <a:rPr lang="en-US" sz="3200" dirty="0">
-                <a:latin typeface="Consolas" panose="020B0609020204030204" pitchFamily="49" charset="0"/>
-                <a:ea typeface="Cambria" panose="02040503050406030204" pitchFamily="18" charset="0"/>
-                <a:cs typeface="Times New Roman" panose="02020603050405020304" pitchFamily="18" charset="0"/>
-              </a:rPr>
-              <a:t> (\y </a:t>
-            </a:r>
-            <a:r>
-              <a:rPr lang="en-US" sz="3200" dirty="0">
-                <a:solidFill>
-                  <a:srgbClr val="007020"/>
-                </a:solidFill>
-                <a:latin typeface="Consolas" panose="020B0609020204030204" pitchFamily="49" charset="0"/>
-                <a:ea typeface="Cambria" panose="02040503050406030204" pitchFamily="18" charset="0"/>
-                <a:cs typeface="Times New Roman" panose="02020603050405020304" pitchFamily="18" charset="0"/>
-              </a:rPr>
-              <a:t>-&gt;</a:t>
-            </a:r>
-            <a:r>
-              <a:rPr lang="en-US" sz="3200" dirty="0">
-                <a:latin typeface="Consolas" panose="020B0609020204030204" pitchFamily="49" charset="0"/>
-                <a:ea typeface="Cambria" panose="02040503050406030204" pitchFamily="18" charset="0"/>
-                <a:cs typeface="Times New Roman" panose="02020603050405020304" pitchFamily="18" charset="0"/>
-              </a:rPr>
-              <a:t> x </a:t>
-            </a:r>
-            <a:r>
-              <a:rPr lang="en-US" sz="3200" dirty="0">
-                <a:solidFill>
-                  <a:srgbClr val="06287E"/>
-                </a:solidFill>
-                <a:latin typeface="Consolas" panose="020B0609020204030204" pitchFamily="49" charset="0"/>
-                <a:ea typeface="Cambria" panose="02040503050406030204" pitchFamily="18" charset="0"/>
-                <a:cs typeface="Times New Roman" panose="02020603050405020304" pitchFamily="18" charset="0"/>
-              </a:rPr>
-              <a:t>+</a:t>
-            </a:r>
-            <a:r>
-              <a:rPr lang="en-US" sz="3200" dirty="0">
-                <a:latin typeface="Consolas" panose="020B0609020204030204" pitchFamily="49" charset="0"/>
-                <a:ea typeface="Cambria" panose="02040503050406030204" pitchFamily="18" charset="0"/>
-                <a:cs typeface="Times New Roman" panose="02020603050405020304" pitchFamily="18" charset="0"/>
-              </a:rPr>
-              <a:t> y)</a:t>
+              <a:t>plus = \x -&gt; (\y -&gt; x + y)</a:t>
             </a:r>
             <a:endParaRPr lang="en-PH" dirty="0">
               <a:latin typeface="Consolas" panose="020B0609020204030204" pitchFamily="49" charset="0"/>
@@ -20818,41 +19675,11 @@
             </a:pPr>
             <a:r>
               <a:rPr lang="en-US" sz="3200" dirty="0">
-                <a:solidFill>
-                  <a:srgbClr val="902000"/>
-                </a:solidFill>
-                <a:latin typeface="Consolas" panose="020B0609020204030204" pitchFamily="49" charset="0"/>
-                <a:ea typeface="Cambria" panose="02040503050406030204" pitchFamily="18" charset="0"/>
-                <a:cs typeface="Times New Roman" panose="02020603050405020304" pitchFamily="18" charset="0"/>
-              </a:rPr>
-              <a:t>int</a:t>
-            </a:r>
-            <a:r>
-              <a:rPr lang="en-US" sz="3200" dirty="0">
-                <a:latin typeface="Consolas" panose="020B0609020204030204" pitchFamily="49" charset="0"/>
-                <a:ea typeface="Cambria" panose="02040503050406030204" pitchFamily="18" charset="0"/>
-                <a:cs typeface="Times New Roman" panose="02020603050405020304" pitchFamily="18" charset="0"/>
-              </a:rPr>
-              <a:t> square(</a:t>
-            </a:r>
-            <a:r>
-              <a:rPr lang="en-US" sz="3200" dirty="0">
-                <a:solidFill>
-                  <a:srgbClr val="902000"/>
-                </a:solidFill>
-                <a:latin typeface="Consolas" panose="020B0609020204030204" pitchFamily="49" charset="0"/>
-                <a:ea typeface="Cambria" panose="02040503050406030204" pitchFamily="18" charset="0"/>
-                <a:cs typeface="Times New Roman" panose="02020603050405020304" pitchFamily="18" charset="0"/>
-              </a:rPr>
-              <a:t>int</a:t>
-            </a:r>
-            <a:r>
-              <a:rPr lang="en-US" sz="3200" dirty="0">
-                <a:latin typeface="Consolas" panose="020B0609020204030204" pitchFamily="49" charset="0"/>
-                <a:ea typeface="Cambria" panose="02040503050406030204" pitchFamily="18" charset="0"/>
-                <a:cs typeface="Times New Roman" panose="02020603050405020304" pitchFamily="18" charset="0"/>
-              </a:rPr>
-              <a:t> x){</a:t>
+                <a:latin typeface="Consolas" panose="020B0609020204030204" pitchFamily="49" charset="0"/>
+                <a:ea typeface="Cambria" panose="02040503050406030204" pitchFamily="18" charset="0"/>
+                <a:cs typeface="Times New Roman" panose="02020603050405020304" pitchFamily="18" charset="0"/>
+              </a:rPr>
+              <a:t>int square(int x){</a:t>
             </a:r>
             <a:br>
               <a:rPr lang="en-US" sz="3200" dirty="0">
@@ -20883,26 +19710,7 @@
                 <a:ea typeface="Cambria" panose="02040503050406030204" pitchFamily="18" charset="0"/>
                 <a:cs typeface="Times New Roman" panose="02020603050405020304" pitchFamily="18" charset="0"/>
               </a:rPr>
-              <a:t>(</a:t>
-            </a:r>
-            <a:r>
-              <a:rPr lang="en-US" sz="3200" dirty="0">
-                <a:solidFill>
-                  <a:srgbClr val="4070A0"/>
-                </a:solidFill>
-                <a:latin typeface="Consolas" panose="020B0609020204030204" pitchFamily="49" charset="0"/>
-                <a:ea typeface="Cambria" panose="02040503050406030204" pitchFamily="18" charset="0"/>
-                <a:cs typeface="Times New Roman" panose="02020603050405020304" pitchFamily="18" charset="0"/>
-              </a:rPr>
-              <a:t>"calculating square"</a:t>
-            </a:r>
-            <a:r>
-              <a:rPr lang="en-US" sz="3200" dirty="0">
-                <a:latin typeface="Consolas" panose="020B0609020204030204" pitchFamily="49" charset="0"/>
-                <a:ea typeface="Cambria" panose="02040503050406030204" pitchFamily="18" charset="0"/>
-                <a:cs typeface="Times New Roman" panose="02020603050405020304" pitchFamily="18" charset="0"/>
-              </a:rPr>
-              <a:t>);</a:t>
+              <a:t>("calculating square");</a:t>
             </a:r>
             <a:br>
               <a:rPr lang="en-US" sz="3200" dirty="0">
@@ -20921,9 +19729,6 @@
             </a:r>
             <a:r>
               <a:rPr lang="en-US" sz="3200" b="1" dirty="0">
-                <a:solidFill>
-                  <a:srgbClr val="007020"/>
-                </a:solidFill>
                 <a:latin typeface="Consolas" panose="020B0609020204030204" pitchFamily="49" charset="0"/>
                 <a:ea typeface="Cambria" panose="02040503050406030204" pitchFamily="18" charset="0"/>
                 <a:cs typeface="Times New Roman" panose="02020603050405020304" pitchFamily="18" charset="0"/>
@@ -21148,7 +19953,7 @@
                 <a:ea typeface="Cambria" panose="02040503050406030204" pitchFamily="18" charset="0"/>
                 <a:cs typeface="Times New Roman" panose="02020603050405020304" pitchFamily="18" charset="0"/>
               </a:rPr>
-              <a:t>void</a:t>
+              <a:t>int*</a:t>
             </a:r>
             <a:r>
               <a:rPr lang="en-US" dirty="0">
@@ -21382,6 +20187,13 @@
               </a:rPr>
               <a:t>;</a:t>
             </a:r>
+          </a:p>
+          <a:p>
+            <a:pPr latinLnBrk="1">
+              <a:spcAft>
+                <a:spcPts val="1000"/>
+              </a:spcAft>
+            </a:pPr>
             <a:br>
               <a:rPr lang="en-US" dirty="0">
                 <a:latin typeface="Consolas" panose="020B0609020204030204" pitchFamily="49" charset="0"/>
@@ -21593,9 +20405,6 @@
             </a:r>
             <a:r>
               <a:rPr lang="en-US" dirty="0" err="1">
-                <a:solidFill>
-                  <a:srgbClr val="06287E"/>
-                </a:solidFill>
                 <a:latin typeface="Consolas" panose="020B0609020204030204" pitchFamily="49" charset="0"/>
                 <a:ea typeface="Cambria" panose="02040503050406030204" pitchFamily="18" charset="0"/>
                 <a:cs typeface="Times New Roman" panose="02020603050405020304" pitchFamily="18" charset="0"/>
@@ -21627,9 +20436,6 @@
             </a:r>
             <a:r>
               <a:rPr lang="en-US" b="1" dirty="0">
-                <a:solidFill>
-                  <a:srgbClr val="007020"/>
-                </a:solidFill>
                 <a:latin typeface="Consolas" panose="020B0609020204030204" pitchFamily="49" charset="0"/>
                 <a:ea typeface="Cambria" panose="02040503050406030204" pitchFamily="18" charset="0"/>
                 <a:cs typeface="Times New Roman" panose="02020603050405020304" pitchFamily="18" charset="0"/>
@@ -21646,9 +20452,6 @@
             </a:r>
             <a:r>
               <a:rPr lang="en-US" dirty="0" err="1">
-                <a:solidFill>
-                  <a:srgbClr val="06287E"/>
-                </a:solidFill>
                 <a:latin typeface="Consolas" panose="020B0609020204030204" pitchFamily="49" charset="0"/>
                 <a:ea typeface="Cambria" panose="02040503050406030204" pitchFamily="18" charset="0"/>
                 <a:cs typeface="Times New Roman" panose="02020603050405020304" pitchFamily="18" charset="0"/>
@@ -21661,45 +20464,7 @@
                 <a:ea typeface="Cambria" panose="02040503050406030204" pitchFamily="18" charset="0"/>
                 <a:cs typeface="Times New Roman" panose="02020603050405020304" pitchFamily="18" charset="0"/>
               </a:rPr>
-              <a:t>()%</a:t>
-            </a:r>
-            <a:r>
-              <a:rPr lang="en-US" dirty="0">
-                <a:solidFill>
-                  <a:srgbClr val="40A070"/>
-                </a:solidFill>
-                <a:latin typeface="Consolas" panose="020B0609020204030204" pitchFamily="49" charset="0"/>
-                <a:ea typeface="Cambria" panose="02040503050406030204" pitchFamily="18" charset="0"/>
-                <a:cs typeface="Times New Roman" panose="02020603050405020304" pitchFamily="18" charset="0"/>
-              </a:rPr>
-              <a:t>2</a:t>
-            </a:r>
-            <a:r>
-              <a:rPr lang="en-US" dirty="0">
-                <a:latin typeface="Consolas" panose="020B0609020204030204" pitchFamily="49" charset="0"/>
-                <a:ea typeface="Cambria" panose="02040503050406030204" pitchFamily="18" charset="0"/>
-                <a:cs typeface="Times New Roman" panose="02020603050405020304" pitchFamily="18" charset="0"/>
-              </a:rPr>
-              <a:t>==</a:t>
-            </a:r>
-            <a:r>
-              <a:rPr lang="en-US" dirty="0">
-                <a:solidFill>
-                  <a:srgbClr val="40A070"/>
-                </a:solidFill>
-                <a:latin typeface="Consolas" panose="020B0609020204030204" pitchFamily="49" charset="0"/>
-                <a:ea typeface="Cambria" panose="02040503050406030204" pitchFamily="18" charset="0"/>
-                <a:cs typeface="Times New Roman" panose="02020603050405020304" pitchFamily="18" charset="0"/>
-              </a:rPr>
-              <a:t>0</a:t>
-            </a:r>
-            <a:r>
-              <a:rPr lang="en-US" dirty="0">
-                <a:latin typeface="Consolas" panose="020B0609020204030204" pitchFamily="49" charset="0"/>
-                <a:ea typeface="Cambria" panose="02040503050406030204" pitchFamily="18" charset="0"/>
-                <a:cs typeface="Times New Roman" panose="02020603050405020304" pitchFamily="18" charset="0"/>
-              </a:rPr>
-              <a:t>)</a:t>
+              <a:t>()%2==0)</a:t>
             </a:r>
             <a:br>
               <a:rPr lang="en-US" dirty="0">
@@ -21718,9 +20483,6 @@
             </a:r>
             <a:r>
               <a:rPr lang="en-US" b="1" dirty="0">
-                <a:solidFill>
-                  <a:srgbClr val="007020"/>
-                </a:solidFill>
                 <a:latin typeface="Consolas" panose="020B0609020204030204" pitchFamily="49" charset="0"/>
                 <a:ea typeface="Cambria" panose="02040503050406030204" pitchFamily="18" charset="0"/>
                 <a:cs typeface="Times New Roman" panose="02020603050405020304" pitchFamily="18" charset="0"/>
@@ -21733,26 +20495,7 @@
                 <a:ea typeface="Cambria" panose="02040503050406030204" pitchFamily="18" charset="0"/>
                 <a:cs typeface="Times New Roman" panose="02020603050405020304" pitchFamily="18" charset="0"/>
               </a:rPr>
-              <a:t> </a:t>
-            </a:r>
-            <a:r>
-              <a:rPr lang="en-US" dirty="0">
-                <a:solidFill>
-                  <a:srgbClr val="4070A0"/>
-                </a:solidFill>
-                <a:latin typeface="Consolas" panose="020B0609020204030204" pitchFamily="49" charset="0"/>
-                <a:ea typeface="Cambria" panose="02040503050406030204" pitchFamily="18" charset="0"/>
-                <a:cs typeface="Times New Roman" panose="02020603050405020304" pitchFamily="18" charset="0"/>
-              </a:rPr>
-              <a:t>"heads"</a:t>
-            </a:r>
-            <a:r>
-              <a:rPr lang="en-US" dirty="0">
-                <a:latin typeface="Consolas" panose="020B0609020204030204" pitchFamily="49" charset="0"/>
-                <a:ea typeface="Cambria" panose="02040503050406030204" pitchFamily="18" charset="0"/>
-                <a:cs typeface="Times New Roman" panose="02020603050405020304" pitchFamily="18" charset="0"/>
-              </a:rPr>
-              <a:t>;</a:t>
+              <a:t> "heads";</a:t>
             </a:r>
             <a:br>
               <a:rPr lang="en-US" dirty="0">
@@ -21771,9 +20514,6 @@
             </a:r>
             <a:r>
               <a:rPr lang="en-US" b="1" dirty="0">
-                <a:solidFill>
-                  <a:srgbClr val="007020"/>
-                </a:solidFill>
                 <a:latin typeface="Consolas" panose="020B0609020204030204" pitchFamily="49" charset="0"/>
                 <a:ea typeface="Cambria" panose="02040503050406030204" pitchFamily="18" charset="0"/>
                 <a:cs typeface="Times New Roman" panose="02020603050405020304" pitchFamily="18" charset="0"/>
@@ -21797,9 +20537,6 @@
             </a:r>
             <a:r>
               <a:rPr lang="en-US" b="1" dirty="0">
-                <a:solidFill>
-                  <a:srgbClr val="007020"/>
-                </a:solidFill>
                 <a:latin typeface="Consolas" panose="020B0609020204030204" pitchFamily="49" charset="0"/>
                 <a:ea typeface="Cambria" panose="02040503050406030204" pitchFamily="18" charset="0"/>
                 <a:cs typeface="Times New Roman" panose="02020603050405020304" pitchFamily="18" charset="0"/>
@@ -21812,26 +20549,7 @@
                 <a:ea typeface="Cambria" panose="02040503050406030204" pitchFamily="18" charset="0"/>
                 <a:cs typeface="Times New Roman" panose="02020603050405020304" pitchFamily="18" charset="0"/>
               </a:rPr>
-              <a:t> </a:t>
-            </a:r>
-            <a:r>
-              <a:rPr lang="en-US" dirty="0">
-                <a:solidFill>
-                  <a:srgbClr val="4070A0"/>
-                </a:solidFill>
-                <a:latin typeface="Consolas" panose="020B0609020204030204" pitchFamily="49" charset="0"/>
-                <a:ea typeface="Cambria" panose="02040503050406030204" pitchFamily="18" charset="0"/>
-                <a:cs typeface="Times New Roman" panose="02020603050405020304" pitchFamily="18" charset="0"/>
-              </a:rPr>
-              <a:t>"tails"</a:t>
-            </a:r>
-            <a:r>
-              <a:rPr lang="en-US" dirty="0">
-                <a:latin typeface="Consolas" panose="020B0609020204030204" pitchFamily="49" charset="0"/>
-                <a:ea typeface="Cambria" panose="02040503050406030204" pitchFamily="18" charset="0"/>
-                <a:cs typeface="Times New Roman" panose="02020603050405020304" pitchFamily="18" charset="0"/>
-              </a:rPr>
-              <a:t>;</a:t>
+              <a:t> "tails";</a:t>
             </a:r>
             <a:br>
               <a:rPr lang="en-US" dirty="0">
@@ -25225,37 +23943,7 @@
                 <a:ea typeface="Cambria" panose="02040503050406030204" pitchFamily="18" charset="0"/>
                 <a:cs typeface="Times New Roman" panose="02020603050405020304" pitchFamily="18" charset="0"/>
               </a:rPr>
-              <a:t>x </a:t>
-            </a:r>
-            <a:r>
-              <a:rPr lang="en-US" dirty="0">
-                <a:solidFill>
-                  <a:srgbClr val="06287E"/>
-                </a:solidFill>
-                <a:latin typeface="Consolas" panose="020B0609020204030204" pitchFamily="49" charset="0"/>
-                <a:ea typeface="Cambria" panose="02040503050406030204" pitchFamily="18" charset="0"/>
-                <a:cs typeface="Times New Roman" panose="02020603050405020304" pitchFamily="18" charset="0"/>
-              </a:rPr>
-              <a:t>=</a:t>
-            </a:r>
-            <a:r>
-              <a:rPr lang="en-US" dirty="0">
-                <a:latin typeface="Consolas" panose="020B0609020204030204" pitchFamily="49" charset="0"/>
-                <a:ea typeface="Cambria" panose="02040503050406030204" pitchFamily="18" charset="0"/>
-                <a:cs typeface="Times New Roman" panose="02020603050405020304" pitchFamily="18" charset="0"/>
-              </a:rPr>
-              <a:t> </a:t>
-            </a:r>
-            <a:r>
-              <a:rPr lang="en-US" dirty="0">
-                <a:solidFill>
-                  <a:srgbClr val="40A070"/>
-                </a:solidFill>
-                <a:latin typeface="Consolas" panose="020B0609020204030204" pitchFamily="49" charset="0"/>
-                <a:ea typeface="Cambria" panose="02040503050406030204" pitchFamily="18" charset="0"/>
-                <a:cs typeface="Times New Roman" panose="02020603050405020304" pitchFamily="18" charset="0"/>
-              </a:rPr>
-              <a:t>0</a:t>
+              <a:t>x = 0</a:t>
             </a:r>
             <a:br>
               <a:rPr lang="en-US" dirty="0">
@@ -25270,37 +23958,7 @@
                 <a:ea typeface="Cambria" panose="02040503050406030204" pitchFamily="18" charset="0"/>
                 <a:cs typeface="Times New Roman" panose="02020603050405020304" pitchFamily="18" charset="0"/>
               </a:rPr>
-              <a:t>x </a:t>
-            </a:r>
-            <a:r>
-              <a:rPr lang="en-US" dirty="0">
-                <a:solidFill>
-                  <a:srgbClr val="06287E"/>
-                </a:solidFill>
-                <a:latin typeface="Consolas" panose="020B0609020204030204" pitchFamily="49" charset="0"/>
-                <a:ea typeface="Cambria" panose="02040503050406030204" pitchFamily="18" charset="0"/>
-                <a:cs typeface="Times New Roman" panose="02020603050405020304" pitchFamily="18" charset="0"/>
-              </a:rPr>
-              <a:t>=</a:t>
-            </a:r>
-            <a:r>
-              <a:rPr lang="en-US" dirty="0">
-                <a:latin typeface="Consolas" panose="020B0609020204030204" pitchFamily="49" charset="0"/>
-                <a:ea typeface="Cambria" panose="02040503050406030204" pitchFamily="18" charset="0"/>
-                <a:cs typeface="Times New Roman" panose="02020603050405020304" pitchFamily="18" charset="0"/>
-              </a:rPr>
-              <a:t> </a:t>
-            </a:r>
-            <a:r>
-              <a:rPr lang="en-US" dirty="0">
-                <a:solidFill>
-                  <a:srgbClr val="40A070"/>
-                </a:solidFill>
-                <a:latin typeface="Consolas" panose="020B0609020204030204" pitchFamily="49" charset="0"/>
-                <a:ea typeface="Cambria" panose="02040503050406030204" pitchFamily="18" charset="0"/>
-                <a:cs typeface="Times New Roman" panose="02020603050405020304" pitchFamily="18" charset="0"/>
-              </a:rPr>
-              <a:t>1 </a:t>
+              <a:t>x = 1 </a:t>
             </a:r>
           </a:p>
           <a:p>
@@ -25315,100 +23973,7 @@
                 <a:ea typeface="Cambria" panose="02040503050406030204" pitchFamily="18" charset="0"/>
                 <a:cs typeface="Times New Roman" panose="02020603050405020304" pitchFamily="18" charset="0"/>
               </a:rPr>
-              <a:t>main</a:t>
-            </a:r>
-            <a:r>
-              <a:rPr lang="en-US" sz="2800" dirty="0">
-                <a:solidFill>
-                  <a:srgbClr val="06287E"/>
-                </a:solidFill>
-                <a:latin typeface="Consolas" panose="020B0609020204030204" pitchFamily="49" charset="0"/>
-                <a:ea typeface="Cambria" panose="02040503050406030204" pitchFamily="18" charset="0"/>
-                <a:cs typeface="Times New Roman" panose="02020603050405020304" pitchFamily="18" charset="0"/>
-              </a:rPr>
-              <a:t>.</a:t>
-            </a:r>
-            <a:r>
-              <a:rPr lang="en-US" sz="2800" dirty="0">
-                <a:latin typeface="Consolas" panose="020B0609020204030204" pitchFamily="49" charset="0"/>
-                <a:ea typeface="Cambria" panose="02040503050406030204" pitchFamily="18" charset="0"/>
-                <a:cs typeface="Times New Roman" panose="02020603050405020304" pitchFamily="18" charset="0"/>
-              </a:rPr>
-              <a:t>hs</a:t>
-            </a:r>
-            <a:r>
-              <a:rPr lang="en-US" sz="2800" dirty="0">
-                <a:solidFill>
-                  <a:srgbClr val="06287E"/>
-                </a:solidFill>
-                <a:latin typeface="Consolas" panose="020B0609020204030204" pitchFamily="49" charset="0"/>
-                <a:ea typeface="Cambria" panose="02040503050406030204" pitchFamily="18" charset="0"/>
-                <a:cs typeface="Times New Roman" panose="02020603050405020304" pitchFamily="18" charset="0"/>
-              </a:rPr>
-              <a:t>:</a:t>
-            </a:r>
-            <a:r>
-              <a:rPr lang="en-US" sz="2800" dirty="0">
-                <a:solidFill>
-                  <a:srgbClr val="40A070"/>
-                </a:solidFill>
-                <a:latin typeface="Consolas" panose="020B0609020204030204" pitchFamily="49" charset="0"/>
-                <a:ea typeface="Cambria" panose="02040503050406030204" pitchFamily="18" charset="0"/>
-                <a:cs typeface="Times New Roman" panose="02020603050405020304" pitchFamily="18" charset="0"/>
-              </a:rPr>
-              <a:t>2</a:t>
-            </a:r>
-            <a:r>
-              <a:rPr lang="en-US" sz="2800" dirty="0">
-                <a:solidFill>
-                  <a:srgbClr val="06287E"/>
-                </a:solidFill>
-                <a:latin typeface="Consolas" panose="020B0609020204030204" pitchFamily="49" charset="0"/>
-                <a:ea typeface="Cambria" panose="02040503050406030204" pitchFamily="18" charset="0"/>
-                <a:cs typeface="Times New Roman" panose="02020603050405020304" pitchFamily="18" charset="0"/>
-              </a:rPr>
-              <a:t>:</a:t>
-            </a:r>
-            <a:r>
-              <a:rPr lang="en-US" sz="2800" dirty="0">
-                <a:solidFill>
-                  <a:srgbClr val="40A070"/>
-                </a:solidFill>
-                <a:latin typeface="Consolas" panose="020B0609020204030204" pitchFamily="49" charset="0"/>
-                <a:ea typeface="Cambria" panose="02040503050406030204" pitchFamily="18" charset="0"/>
-                <a:cs typeface="Times New Roman" panose="02020603050405020304" pitchFamily="18" charset="0"/>
-              </a:rPr>
-              <a:t>1</a:t>
-            </a:r>
-            <a:r>
-              <a:rPr lang="en-US" sz="2800" dirty="0">
-                <a:solidFill>
-                  <a:srgbClr val="06287E"/>
-                </a:solidFill>
-                <a:latin typeface="Consolas" panose="020B0609020204030204" pitchFamily="49" charset="0"/>
-                <a:ea typeface="Cambria" panose="02040503050406030204" pitchFamily="18" charset="0"/>
-                <a:cs typeface="Times New Roman" panose="02020603050405020304" pitchFamily="18" charset="0"/>
-              </a:rPr>
-              <a:t>:</a:t>
-            </a:r>
-            <a:r>
-              <a:rPr lang="en-US" sz="2800" dirty="0">
-                <a:latin typeface="Consolas" panose="020B0609020204030204" pitchFamily="49" charset="0"/>
-                <a:ea typeface="Cambria" panose="02040503050406030204" pitchFamily="18" charset="0"/>
-                <a:cs typeface="Times New Roman" panose="02020603050405020304" pitchFamily="18" charset="0"/>
-              </a:rPr>
-              <a:t> </a:t>
-            </a:r>
-            <a:r>
-              <a:rPr lang="en-US" sz="2800" dirty="0">
-                <a:solidFill>
-                  <a:srgbClr val="06287E"/>
-                </a:solidFill>
-                <a:latin typeface="Consolas" panose="020B0609020204030204" pitchFamily="49" charset="0"/>
-                <a:ea typeface="Cambria" panose="02040503050406030204" pitchFamily="18" charset="0"/>
-                <a:cs typeface="Times New Roman" panose="02020603050405020304" pitchFamily="18" charset="0"/>
-              </a:rPr>
-              <a:t>error:</a:t>
+              <a:t>main.hs:2:1: error:</a:t>
             </a:r>
             <a:br>
               <a:rPr lang="en-US" sz="2800" dirty="0">
@@ -25423,32 +23988,10 @@
                 <a:ea typeface="Cambria" panose="02040503050406030204" pitchFamily="18" charset="0"/>
                 <a:cs typeface="Times New Roman" panose="02020603050405020304" pitchFamily="18" charset="0"/>
               </a:rPr>
-              <a:t>    </a:t>
-            </a:r>
-            <a:r>
-              <a:rPr lang="en-US" sz="2800" dirty="0">
-                <a:solidFill>
-                  <a:srgbClr val="902000"/>
-                </a:solidFill>
-                <a:latin typeface="Consolas" panose="020B0609020204030204" pitchFamily="49" charset="0"/>
-                <a:ea typeface="Cambria" panose="02040503050406030204" pitchFamily="18" charset="0"/>
-                <a:cs typeface="Times New Roman" panose="02020603050405020304" pitchFamily="18" charset="0"/>
-              </a:rPr>
-              <a:t>Multiple</a:t>
-            </a:r>
-            <a:r>
-              <a:rPr lang="en-US" sz="2800" dirty="0">
-                <a:latin typeface="Consolas" panose="020B0609020204030204" pitchFamily="49" charset="0"/>
-                <a:ea typeface="Cambria" panose="02040503050406030204" pitchFamily="18" charset="0"/>
-                <a:cs typeface="Times New Roman" panose="02020603050405020304" pitchFamily="18" charset="0"/>
-              </a:rPr>
-              <a:t> declarations </a:t>
+              <a:t>    Multiple declarations </a:t>
             </a:r>
             <a:r>
               <a:rPr lang="en-US" sz="2800" b="1" dirty="0">
-                <a:solidFill>
-                  <a:srgbClr val="007020"/>
-                </a:solidFill>
                 <a:latin typeface="Consolas" panose="020B0609020204030204" pitchFamily="49" charset="0"/>
                 <a:ea typeface="Cambria" panose="02040503050406030204" pitchFamily="18" charset="0"/>
                 <a:cs typeface="Times New Roman" panose="02020603050405020304" pitchFamily="18" charset="0"/>
@@ -25476,108 +24019,7 @@
                 <a:ea typeface="Cambria" panose="02040503050406030204" pitchFamily="18" charset="0"/>
                 <a:cs typeface="Times New Roman" panose="02020603050405020304" pitchFamily="18" charset="0"/>
               </a:rPr>
-              <a:t>    </a:t>
-            </a:r>
-            <a:r>
-              <a:rPr lang="en-US" sz="2800" dirty="0">
-                <a:solidFill>
-                  <a:srgbClr val="902000"/>
-                </a:solidFill>
-                <a:latin typeface="Consolas" panose="020B0609020204030204" pitchFamily="49" charset="0"/>
-                <a:ea typeface="Cambria" panose="02040503050406030204" pitchFamily="18" charset="0"/>
-                <a:cs typeface="Times New Roman" panose="02020603050405020304" pitchFamily="18" charset="0"/>
-              </a:rPr>
-              <a:t>Declared</a:t>
-            </a:r>
-            <a:r>
-              <a:rPr lang="en-US" sz="2800" dirty="0">
-                <a:latin typeface="Consolas" panose="020B0609020204030204" pitchFamily="49" charset="0"/>
-                <a:ea typeface="Cambria" panose="02040503050406030204" pitchFamily="18" charset="0"/>
-                <a:cs typeface="Times New Roman" panose="02020603050405020304" pitchFamily="18" charset="0"/>
-              </a:rPr>
-              <a:t> at</a:t>
-            </a:r>
-            <a:r>
-              <a:rPr lang="en-US" sz="2800" dirty="0">
-                <a:solidFill>
-                  <a:srgbClr val="06287E"/>
-                </a:solidFill>
-                <a:latin typeface="Consolas" panose="020B0609020204030204" pitchFamily="49" charset="0"/>
-                <a:ea typeface="Cambria" panose="02040503050406030204" pitchFamily="18" charset="0"/>
-                <a:cs typeface="Times New Roman" panose="02020603050405020304" pitchFamily="18" charset="0"/>
-              </a:rPr>
-              <a:t>:</a:t>
-            </a:r>
-            <a:r>
-              <a:rPr lang="en-US" sz="2800" dirty="0">
-                <a:latin typeface="Consolas" panose="020B0609020204030204" pitchFamily="49" charset="0"/>
-                <a:ea typeface="Cambria" panose="02040503050406030204" pitchFamily="18" charset="0"/>
-                <a:cs typeface="Times New Roman" panose="02020603050405020304" pitchFamily="18" charset="0"/>
-              </a:rPr>
-              <a:t> main</a:t>
-            </a:r>
-            <a:r>
-              <a:rPr lang="en-US" sz="2800" dirty="0">
-                <a:solidFill>
-                  <a:srgbClr val="06287E"/>
-                </a:solidFill>
-                <a:latin typeface="Consolas" panose="020B0609020204030204" pitchFamily="49" charset="0"/>
-                <a:ea typeface="Cambria" panose="02040503050406030204" pitchFamily="18" charset="0"/>
-                <a:cs typeface="Times New Roman" panose="02020603050405020304" pitchFamily="18" charset="0"/>
-              </a:rPr>
-              <a:t>.</a:t>
-            </a:r>
-            <a:r>
-              <a:rPr lang="en-US" sz="2800" dirty="0">
-                <a:latin typeface="Consolas" panose="020B0609020204030204" pitchFamily="49" charset="0"/>
-                <a:ea typeface="Cambria" panose="02040503050406030204" pitchFamily="18" charset="0"/>
-                <a:cs typeface="Times New Roman" panose="02020603050405020304" pitchFamily="18" charset="0"/>
-              </a:rPr>
-              <a:t>hs</a:t>
-            </a:r>
-            <a:r>
-              <a:rPr lang="en-US" sz="2800" dirty="0">
-                <a:solidFill>
-                  <a:srgbClr val="06287E"/>
-                </a:solidFill>
-                <a:latin typeface="Consolas" panose="020B0609020204030204" pitchFamily="49" charset="0"/>
-                <a:ea typeface="Cambria" panose="02040503050406030204" pitchFamily="18" charset="0"/>
-                <a:cs typeface="Times New Roman" panose="02020603050405020304" pitchFamily="18" charset="0"/>
-              </a:rPr>
-              <a:t>:</a:t>
-            </a:r>
-            <a:r>
-              <a:rPr lang="en-US" sz="2800" dirty="0">
-                <a:solidFill>
-                  <a:srgbClr val="40A070"/>
-                </a:solidFill>
-                <a:latin typeface="Consolas" panose="020B0609020204030204" pitchFamily="49" charset="0"/>
-                <a:ea typeface="Cambria" panose="02040503050406030204" pitchFamily="18" charset="0"/>
-                <a:cs typeface="Times New Roman" panose="02020603050405020304" pitchFamily="18" charset="0"/>
-              </a:rPr>
-              <a:t>1</a:t>
-            </a:r>
-            <a:r>
-              <a:rPr lang="en-US" sz="2800" dirty="0">
-                <a:solidFill>
-                  <a:srgbClr val="06287E"/>
-                </a:solidFill>
-                <a:latin typeface="Consolas" panose="020B0609020204030204" pitchFamily="49" charset="0"/>
-                <a:ea typeface="Cambria" panose="02040503050406030204" pitchFamily="18" charset="0"/>
-                <a:cs typeface="Times New Roman" panose="02020603050405020304" pitchFamily="18" charset="0"/>
-              </a:rPr>
-              <a:t>:</a:t>
-            </a:r>
-            <a:r>
-              <a:rPr lang="en-US" sz="2800" dirty="0">
-                <a:solidFill>
-                  <a:srgbClr val="40A070"/>
-                </a:solidFill>
-                <a:latin typeface="Consolas" panose="020B0609020204030204" pitchFamily="49" charset="0"/>
-                <a:ea typeface="Cambria" panose="02040503050406030204" pitchFamily="18" charset="0"/>
-                <a:cs typeface="Times New Roman" panose="02020603050405020304" pitchFamily="18" charset="0"/>
-              </a:rPr>
-              <a:t>1</a:t>
+              <a:t>    Declared at: main.hs:1:1</a:t>
             </a:r>
             <a:br>
               <a:rPr lang="en-US" sz="2800" dirty="0">
@@ -25592,70 +24034,7 @@
                 <a:ea typeface="Cambria" panose="02040503050406030204" pitchFamily="18" charset="0"/>
                 <a:cs typeface="Times New Roman" panose="02020603050405020304" pitchFamily="18" charset="0"/>
               </a:rPr>
-              <a:t>                 main</a:t>
-            </a:r>
-            <a:r>
-              <a:rPr lang="en-US" sz="2800" dirty="0">
-                <a:solidFill>
-                  <a:srgbClr val="06287E"/>
-                </a:solidFill>
-                <a:latin typeface="Consolas" panose="020B0609020204030204" pitchFamily="49" charset="0"/>
-                <a:ea typeface="Cambria" panose="02040503050406030204" pitchFamily="18" charset="0"/>
-                <a:cs typeface="Times New Roman" panose="02020603050405020304" pitchFamily="18" charset="0"/>
-              </a:rPr>
-              <a:t>.</a:t>
-            </a:r>
-            <a:r>
-              <a:rPr lang="en-US" sz="2800" dirty="0">
-                <a:latin typeface="Consolas" panose="020B0609020204030204" pitchFamily="49" charset="0"/>
-                <a:ea typeface="Cambria" panose="02040503050406030204" pitchFamily="18" charset="0"/>
-                <a:cs typeface="Times New Roman" panose="02020603050405020304" pitchFamily="18" charset="0"/>
-              </a:rPr>
-              <a:t>hs</a:t>
-            </a:r>
-            <a:r>
-              <a:rPr lang="en-US" sz="2800" dirty="0">
-                <a:solidFill>
-                  <a:srgbClr val="06287E"/>
-                </a:solidFill>
-                <a:latin typeface="Consolas" panose="020B0609020204030204" pitchFamily="49" charset="0"/>
-                <a:ea typeface="Cambria" panose="02040503050406030204" pitchFamily="18" charset="0"/>
-                <a:cs typeface="Times New Roman" panose="02020603050405020304" pitchFamily="18" charset="0"/>
-              </a:rPr>
-              <a:t>:</a:t>
-            </a:r>
-            <a:r>
-              <a:rPr lang="en-US" sz="2800" dirty="0">
-                <a:solidFill>
-                  <a:srgbClr val="40A070"/>
-                </a:solidFill>
-                <a:latin typeface="Consolas" panose="020B0609020204030204" pitchFamily="49" charset="0"/>
-                <a:ea typeface="Cambria" panose="02040503050406030204" pitchFamily="18" charset="0"/>
-                <a:cs typeface="Times New Roman" panose="02020603050405020304" pitchFamily="18" charset="0"/>
-              </a:rPr>
-              <a:t>2</a:t>
-            </a:r>
-            <a:r>
-              <a:rPr lang="en-US" sz="2800" dirty="0">
-                <a:solidFill>
-                  <a:srgbClr val="06287E"/>
-                </a:solidFill>
-                <a:latin typeface="Consolas" panose="020B0609020204030204" pitchFamily="49" charset="0"/>
-                <a:ea typeface="Cambria" panose="02040503050406030204" pitchFamily="18" charset="0"/>
-                <a:cs typeface="Times New Roman" panose="02020603050405020304" pitchFamily="18" charset="0"/>
-              </a:rPr>
-              <a:t>:</a:t>
-            </a:r>
-            <a:r>
-              <a:rPr lang="en-US" sz="2800" dirty="0">
-                <a:solidFill>
-                  <a:srgbClr val="40A070"/>
-                </a:solidFill>
-                <a:latin typeface="Consolas" panose="020B0609020204030204" pitchFamily="49" charset="0"/>
-                <a:ea typeface="Cambria" panose="02040503050406030204" pitchFamily="18" charset="0"/>
-                <a:cs typeface="Times New Roman" panose="02020603050405020304" pitchFamily="18" charset="0"/>
-              </a:rPr>
-              <a:t>1</a:t>
+              <a:t>                 main.hs:2:1</a:t>
             </a:r>
             <a:endParaRPr lang="en-PH" dirty="0">
               <a:latin typeface="Consolas" panose="020B0609020204030204" pitchFamily="49" charset="0"/>
